--- a/Day 3 Team-Solo/Team/FrontTech.pptx
+++ b/Day 3 Team-Solo/Team/FrontTech.pptx
@@ -5,7 +5,7 @@
     <p:sldMasterId id="2147483655" r:id="rId1"/>
   </p:sldMasterIdLst>
   <p:notesMasterIdLst>
-    <p:notesMasterId r:id="rId12"/>
+    <p:notesMasterId r:id="rId13"/>
   </p:notesMasterIdLst>
   <p:sldIdLst>
     <p:sldId id="256" r:id="rId2"/>
@@ -18,6 +18,7 @@
     <p:sldId id="263" r:id="rId9"/>
     <p:sldId id="264" r:id="rId10"/>
     <p:sldId id="265" r:id="rId11"/>
+    <p:sldId id="266" r:id="rId12"/>
   </p:sldIdLst>
   <p:sldSz cx="9144000" cy="6858000" type="screen4x3"/>
   <p:notesSz cx="6858000" cy="9144000"/>
@@ -397,7 +398,7 @@
     </p:spTree>
     <p:extLst>
       <p:ext uri="{BB962C8B-B14F-4D97-AF65-F5344CB8AC3E}">
-        <p14:creationId xmlns:p14="http://schemas.microsoft.com/office/powerpoint/2010/main" val="1589545195"/>
+        <p14:creationId xmlns:p14="http://schemas.microsoft.com/office/powerpoint/2010/main" val="514937365"/>
       </p:ext>
     </p:extLst>
   </p:cSld>
@@ -613,7 +614,7 @@
   <p:cSld>
     <p:spTree>
       <p:nvGrpSpPr>
-        <p:cNvPr id="1" name="Shape 141"/>
+        <p:cNvPr id="1" name="Shape 138"/>
         <p:cNvGrpSpPr/>
         <p:nvPr/>
       </p:nvGrpSpPr>
@@ -627,7 +628,42 @@
       </p:grpSpPr>
       <p:sp>
         <p:nvSpPr>
-          <p:cNvPr id="142" name="Shape 142"/>
+          <p:cNvPr id="139" name="Shape 139"/>
+          <p:cNvSpPr txBox="1">
+            <a:spLocks noGrp="1"/>
+          </p:cNvSpPr>
+          <p:nvPr>
+            <p:ph type="body" idx="1"/>
+          </p:nvPr>
+        </p:nvSpPr>
+        <p:spPr>
+          <a:xfrm>
+            <a:off x="685800" y="4343400"/>
+            <a:ext cx="5486399" cy="4114800"/>
+          </a:xfrm>
+          <a:prstGeom prst="rect">
+            <a:avLst/>
+          </a:prstGeom>
+        </p:spPr>
+        <p:txBody>
+          <a:bodyPr lIns="91425" tIns="91425" rIns="91425" bIns="91425" anchor="ctr" anchorCtr="0">
+            <a:noAutofit/>
+          </a:bodyPr>
+          <a:lstStyle/>
+          <a:p>
+            <a:pPr>
+              <a:spcBef>
+                <a:spcPts val="0"/>
+              </a:spcBef>
+              <a:buNone/>
+            </a:pPr>
+            <a:endParaRPr/>
+          </a:p>
+        </p:txBody>
+      </p:sp>
+      <p:sp>
+        <p:nvSpPr>
+          <p:cNvPr id="140" name="Shape 140"/>
           <p:cNvSpPr>
             <a:spLocks noGrp="1" noRot="1" noChangeAspect="1"/>
           </p:cNvSpPr>
@@ -638,7 +674,7 @@
         <p:spPr>
           <a:xfrm>
             <a:off x="1143225" y="685800"/>
-            <a:ext cx="4572299" cy="3429000"/>
+            <a:ext cx="4572225" cy="3429000"/>
           </a:xfrm>
           <a:custGeom>
             <a:avLst/>
@@ -676,9 +712,85 @@
           </a:ln>
         </p:spPr>
       </p:sp>
+    </p:spTree>
+  </p:cSld>
+  <p:clrMapOvr>
+    <a:masterClrMapping/>
+  </p:clrMapOvr>
+</p:notes>
+</file>
+
+<file path=ppt/notesSlides/notesSlide11.xml><?xml version="1.0" encoding="utf-8"?>
+<p:notes xmlns:a="http://schemas.openxmlformats.org/drawingml/2006/main" xmlns:r="http://schemas.openxmlformats.org/officeDocument/2006/relationships" xmlns:p="http://schemas.openxmlformats.org/presentationml/2006/main" showMasterSp="0" showMasterPhAnim="0">
+  <p:cSld>
+    <p:spTree>
+      <p:nvGrpSpPr>
+        <p:cNvPr id="1" name="Shape 148"/>
+        <p:cNvGrpSpPr/>
+        <p:nvPr/>
+      </p:nvGrpSpPr>
+      <p:grpSpPr>
+        <a:xfrm>
+          <a:off x="0" y="0"/>
+          <a:ext cx="0" cy="0"/>
+          <a:chOff x="0" y="0"/>
+          <a:chExt cx="0" cy="0"/>
+        </a:xfrm>
+      </p:grpSpPr>
       <p:sp>
         <p:nvSpPr>
-          <p:cNvPr id="143" name="Shape 143"/>
+          <p:cNvPr id="149" name="Shape 149"/>
+          <p:cNvSpPr>
+            <a:spLocks noGrp="1" noRot="1" noChangeAspect="1"/>
+          </p:cNvSpPr>
+          <p:nvPr>
+            <p:ph type="sldImg" idx="2"/>
+          </p:nvPr>
+        </p:nvSpPr>
+        <p:spPr>
+          <a:xfrm>
+            <a:off x="1143225" y="685800"/>
+            <a:ext cx="4572299" cy="3429000"/>
+          </a:xfrm>
+          <a:custGeom>
+            <a:avLst/>
+            <a:gdLst/>
+            <a:ahLst/>
+            <a:cxnLst/>
+            <a:rect l="0" t="0" r="0" b="0"/>
+            <a:pathLst>
+              <a:path w="120000" h="120000" extrusionOk="0">
+                <a:moveTo>
+                  <a:pt x="0" y="0"/>
+                </a:moveTo>
+                <a:lnTo>
+                  <a:pt x="120000" y="0"/>
+                </a:lnTo>
+                <a:lnTo>
+                  <a:pt x="120000" y="120000"/>
+                </a:lnTo>
+                <a:lnTo>
+                  <a:pt x="0" y="120000"/>
+                </a:lnTo>
+                <a:close/>
+              </a:path>
+            </a:pathLst>
+          </a:custGeom>
+          <a:noFill/>
+          <a:ln w="9525" cap="flat">
+            <a:solidFill>
+              <a:srgbClr val="000000"/>
+            </a:solidFill>
+            <a:prstDash val="solid"/>
+            <a:round/>
+            <a:headEnd type="none" w="med" len="med"/>
+            <a:tailEnd type="none" w="med" len="med"/>
+          </a:ln>
+        </p:spPr>
+      </p:sp>
+      <p:sp>
+        <p:nvSpPr>
+          <p:cNvPr id="150" name="Shape 150"/>
           <p:cNvSpPr txBox="1">
             <a:spLocks noGrp="1"/>
           </p:cNvSpPr>
@@ -1168,7 +1280,7 @@
   <p:cSld>
     <p:spTree>
       <p:nvGrpSpPr>
-        <p:cNvPr id="1" name="Shape 97"/>
+        <p:cNvPr id="1" name="Shape 94"/>
         <p:cNvGrpSpPr/>
         <p:nvPr/>
       </p:nvGrpSpPr>
@@ -1182,42 +1294,7 @@
       </p:grpSpPr>
       <p:sp>
         <p:nvSpPr>
-          <p:cNvPr id="98" name="Shape 98"/>
-          <p:cNvSpPr txBox="1">
-            <a:spLocks noGrp="1"/>
-          </p:cNvSpPr>
-          <p:nvPr>
-            <p:ph type="body" idx="1"/>
-          </p:nvPr>
-        </p:nvSpPr>
-        <p:spPr>
-          <a:xfrm>
-            <a:off x="685800" y="4343400"/>
-            <a:ext cx="5486399" cy="4114800"/>
-          </a:xfrm>
-          <a:prstGeom prst="rect">
-            <a:avLst/>
-          </a:prstGeom>
-        </p:spPr>
-        <p:txBody>
-          <a:bodyPr lIns="91425" tIns="91425" rIns="91425" bIns="91425" anchor="ctr" anchorCtr="0">
-            <a:noAutofit/>
-          </a:bodyPr>
-          <a:lstStyle/>
-          <a:p>
-            <a:pPr>
-              <a:spcBef>
-                <a:spcPts val="0"/>
-              </a:spcBef>
-              <a:buNone/>
-            </a:pPr>
-            <a:endParaRPr/>
-          </a:p>
-        </p:txBody>
-      </p:sp>
-      <p:sp>
-        <p:nvSpPr>
-          <p:cNvPr id="99" name="Shape 99"/>
+          <p:cNvPr id="95" name="Shape 95"/>
           <p:cNvSpPr>
             <a:spLocks noGrp="1" noRot="1" noChangeAspect="1"/>
           </p:cNvSpPr>
@@ -1228,7 +1305,7 @@
         <p:spPr>
           <a:xfrm>
             <a:off x="1143225" y="685800"/>
-            <a:ext cx="4572225" cy="3429000"/>
+            <a:ext cx="4572299" cy="3429000"/>
           </a:xfrm>
           <a:custGeom>
             <a:avLst/>
@@ -1266,6 +1343,41 @@
           </a:ln>
         </p:spPr>
       </p:sp>
+      <p:sp>
+        <p:nvSpPr>
+          <p:cNvPr id="96" name="Shape 96"/>
+          <p:cNvSpPr txBox="1">
+            <a:spLocks noGrp="1"/>
+          </p:cNvSpPr>
+          <p:nvPr>
+            <p:ph type="body" idx="1"/>
+          </p:nvPr>
+        </p:nvSpPr>
+        <p:spPr>
+          <a:xfrm>
+            <a:off x="685800" y="4343400"/>
+            <a:ext cx="5486399" cy="4114800"/>
+          </a:xfrm>
+          <a:prstGeom prst="rect">
+            <a:avLst/>
+          </a:prstGeom>
+        </p:spPr>
+        <p:txBody>
+          <a:bodyPr lIns="91425" tIns="91425" rIns="91425" bIns="91425" anchor="t" anchorCtr="0">
+            <a:noAutofit/>
+          </a:bodyPr>
+          <a:lstStyle/>
+          <a:p>
+            <a:pPr>
+              <a:spcBef>
+                <a:spcPts val="0"/>
+              </a:spcBef>
+              <a:buNone/>
+            </a:pPr>
+            <a:endParaRPr/>
+          </a:p>
+        </p:txBody>
+      </p:sp>
     </p:spTree>
   </p:cSld>
   <p:clrMapOvr>
@@ -1279,7 +1391,7 @@
   <p:cSld>
     <p:spTree>
       <p:nvGrpSpPr>
-        <p:cNvPr id="1" name="Shape 111"/>
+        <p:cNvPr id="1" name="Shape 104"/>
         <p:cNvGrpSpPr/>
         <p:nvPr/>
       </p:nvGrpSpPr>
@@ -1293,7 +1405,7 @@
       </p:grpSpPr>
       <p:sp>
         <p:nvSpPr>
-          <p:cNvPr id="112" name="Shape 112"/>
+          <p:cNvPr id="105" name="Shape 105"/>
           <p:cNvSpPr txBox="1">
             <a:spLocks noGrp="1"/>
           </p:cNvSpPr>
@@ -1328,7 +1440,7 @@
       </p:sp>
       <p:sp>
         <p:nvSpPr>
-          <p:cNvPr id="113" name="Shape 113"/>
+          <p:cNvPr id="106" name="Shape 106"/>
           <p:cNvSpPr>
             <a:spLocks noGrp="1" noRot="1" noChangeAspect="1"/>
           </p:cNvSpPr>
@@ -1390,7 +1502,7 @@
   <p:cSld>
     <p:spTree>
       <p:nvGrpSpPr>
-        <p:cNvPr id="1" name="Shape 121"/>
+        <p:cNvPr id="1" name="Shape 118"/>
         <p:cNvGrpSpPr/>
         <p:nvPr/>
       </p:nvGrpSpPr>
@@ -1404,7 +1516,7 @@
       </p:grpSpPr>
       <p:sp>
         <p:nvSpPr>
-          <p:cNvPr id="122" name="Shape 122"/>
+          <p:cNvPr id="119" name="Shape 119"/>
           <p:cNvSpPr txBox="1">
             <a:spLocks noGrp="1"/>
           </p:cNvSpPr>
@@ -1439,7 +1551,7 @@
       </p:sp>
       <p:sp>
         <p:nvSpPr>
-          <p:cNvPr id="123" name="Shape 123"/>
+          <p:cNvPr id="120" name="Shape 120"/>
           <p:cNvSpPr>
             <a:spLocks noGrp="1" noRot="1" noChangeAspect="1"/>
           </p:cNvSpPr>
@@ -1501,7 +1613,7 @@
   <p:cSld>
     <p:spTree>
       <p:nvGrpSpPr>
-        <p:cNvPr id="1" name="Shape 131"/>
+        <p:cNvPr id="1" name="Shape 128"/>
         <p:cNvGrpSpPr/>
         <p:nvPr/>
       </p:nvGrpSpPr>
@@ -1515,7 +1627,7 @@
       </p:grpSpPr>
       <p:sp>
         <p:nvSpPr>
-          <p:cNvPr id="132" name="Shape 132"/>
+          <p:cNvPr id="129" name="Shape 129"/>
           <p:cNvSpPr txBox="1">
             <a:spLocks noGrp="1"/>
           </p:cNvSpPr>
@@ -1550,7 +1662,7 @@
       </p:sp>
       <p:sp>
         <p:nvSpPr>
-          <p:cNvPr id="133" name="Shape 133"/>
+          <p:cNvPr id="130" name="Shape 130"/>
           <p:cNvSpPr>
             <a:spLocks noGrp="1" noRot="1" noChangeAspect="1"/>
           </p:cNvSpPr>
@@ -4117,7 +4229,9 @@
     <p:bg>
       <p:bgPr>
         <a:solidFill>
-          <a:srgbClr val="00387E"/>
+          <a:srgbClr val="003171">
+            <a:alpha val="53730"/>
+          </a:srgbClr>
         </a:solidFill>
         <a:effectLst/>
       </p:bgPr>
@@ -5113,9 +5227,7 @@
     <p:bg>
       <p:bgPr>
         <a:solidFill>
-          <a:srgbClr val="003171">
-            <a:alpha val="94900"/>
-          </a:srgbClr>
+          <a:srgbClr val="93C47D"/>
         </a:solidFill>
         <a:effectLst/>
       </p:bgPr>
@@ -5178,16 +5290,14 @@
     <p:bg>
       <p:bgPr>
         <a:solidFill>
-          <a:srgbClr val="003171">
-            <a:alpha val="94900"/>
-          </a:srgbClr>
+          <a:srgbClr val="93C47D"/>
         </a:solidFill>
         <a:effectLst/>
       </p:bgPr>
     </p:bg>
     <p:spTree>
       <p:nvGrpSpPr>
-        <p:cNvPr id="1" name="Shape 134"/>
+        <p:cNvPr id="1" name="Shape 131"/>
         <p:cNvGrpSpPr/>
         <p:nvPr/>
       </p:nvGrpSpPr>
@@ -5201,7 +5311,472 @@
       </p:grpSpPr>
       <p:sp>
         <p:nvSpPr>
+          <p:cNvPr id="132" name="Shape 132"/>
+          <p:cNvSpPr txBox="1">
+            <a:spLocks noGrp="1"/>
+          </p:cNvSpPr>
+          <p:nvPr>
+            <p:ph type="body" idx="1"/>
+          </p:nvPr>
+        </p:nvSpPr>
+        <p:spPr>
+          <a:xfrm>
+            <a:off x="371150" y="1611323"/>
+            <a:ext cx="7831199" cy="4244100"/>
+          </a:xfrm>
+          <a:prstGeom prst="rect">
+            <a:avLst/>
+          </a:prstGeom>
+          <a:noFill/>
+          <a:ln>
+            <a:noFill/>
+          </a:ln>
+        </p:spPr>
+        <p:txBody>
+          <a:bodyPr lIns="91425" tIns="45700" rIns="91425" bIns="45700" anchor="ctr" anchorCtr="0">
+            <a:noAutofit/>
+          </a:bodyPr>
+          <a:lstStyle/>
+          <a:p>
+            <a:pPr marL="274320" marR="0" lvl="0" indent="-334010" algn="l" rtl="0">
+              <a:lnSpc>
+                <a:spcPct val="100000"/>
+              </a:lnSpc>
+              <a:spcBef>
+                <a:spcPts val="0"/>
+              </a:spcBef>
+              <a:spcAft>
+                <a:spcPts val="0"/>
+              </a:spcAft>
+              <a:buClr>
+                <a:schemeClr val="lt1"/>
+              </a:buClr>
+              <a:buSzPct val="100000"/>
+              <a:buFont typeface="Quicksand"/>
+              <a:buChar char="❖"/>
+            </a:pPr>
+            <a:r>
+              <a:rPr lang="en-US" sz="2400">
+                <a:solidFill>
+                  <a:schemeClr val="lt1"/>
+                </a:solidFill>
+                <a:latin typeface="Quicksand"/>
+                <a:ea typeface="Quicksand"/>
+                <a:cs typeface="Quicksand"/>
+                <a:sym typeface="Quicksand"/>
+              </a:rPr>
+              <a:t>Wix - Will be used to host your site (the host we use for all of our sites).</a:t>
+            </a:r>
+          </a:p>
+          <a:p>
+            <a:pPr marL="274320" marR="0" lvl="0" indent="-334010" algn="l" rtl="0">
+              <a:lnSpc>
+                <a:spcPct val="100000"/>
+              </a:lnSpc>
+              <a:spcBef>
+                <a:spcPts val="0"/>
+              </a:spcBef>
+              <a:spcAft>
+                <a:spcPts val="0"/>
+              </a:spcAft>
+              <a:buClr>
+                <a:schemeClr val="lt1"/>
+              </a:buClr>
+              <a:buSzPct val="100000"/>
+              <a:buFont typeface="Quicksand"/>
+              <a:buChar char="❖"/>
+            </a:pPr>
+            <a:r>
+              <a:rPr lang="en-US" sz="2400">
+                <a:solidFill>
+                  <a:schemeClr val="lt1"/>
+                </a:solidFill>
+                <a:latin typeface="Quicksand"/>
+                <a:ea typeface="Quicksand"/>
+                <a:cs typeface="Quicksand"/>
+                <a:sym typeface="Quicksand"/>
+              </a:rPr>
+              <a:t>Github - Will be used for all backups.</a:t>
+            </a:r>
+          </a:p>
+          <a:p>
+            <a:pPr marL="742950" marR="0" lvl="1" indent="-260350" algn="l" rtl="0">
+              <a:lnSpc>
+                <a:spcPct val="100000"/>
+              </a:lnSpc>
+              <a:spcBef>
+                <a:spcPts val="0"/>
+              </a:spcBef>
+              <a:spcAft>
+                <a:spcPts val="0"/>
+              </a:spcAft>
+              <a:buClr>
+                <a:srgbClr val="FFFFFF"/>
+              </a:buClr>
+              <a:buSzPct val="100000"/>
+              <a:buFont typeface="Quicksand"/>
+              <a:buChar char="➢"/>
+            </a:pPr>
+            <a:r>
+              <a:rPr lang="en-US" sz="2400">
+                <a:solidFill>
+                  <a:schemeClr val="lt1"/>
+                </a:solidFill>
+                <a:latin typeface="Quicksand"/>
+                <a:ea typeface="Quicksand"/>
+                <a:cs typeface="Quicksand"/>
+                <a:sym typeface="Quicksand"/>
+              </a:rPr>
+              <a:t>Back-ups are done after every change.</a:t>
+            </a:r>
+          </a:p>
+          <a:p>
+            <a:pPr marL="742950" marR="0" lvl="1" indent="-260350" algn="l" rtl="0">
+              <a:lnSpc>
+                <a:spcPct val="100000"/>
+              </a:lnSpc>
+              <a:spcBef>
+                <a:spcPts val="0"/>
+              </a:spcBef>
+              <a:spcAft>
+                <a:spcPts val="0"/>
+              </a:spcAft>
+              <a:buClr>
+                <a:srgbClr val="FFFFFF"/>
+              </a:buClr>
+              <a:buSzPct val="100000"/>
+              <a:buFont typeface="Quicksand"/>
+              <a:buChar char="➢"/>
+            </a:pPr>
+            <a:r>
+              <a:rPr lang="en-US" sz="2400">
+                <a:solidFill>
+                  <a:schemeClr val="lt1"/>
+                </a:solidFill>
+                <a:latin typeface="Quicksand"/>
+                <a:ea typeface="Quicksand"/>
+                <a:cs typeface="Quicksand"/>
+                <a:sym typeface="Quicksand"/>
+              </a:rPr>
+              <a:t>FrontTech will log where they left off when project is handed over to another worker.</a:t>
+            </a:r>
+          </a:p>
+          <a:p>
+            <a:pPr marL="274320" marR="0" lvl="0" indent="-334010" algn="l" rtl="0">
+              <a:lnSpc>
+                <a:spcPct val="100000"/>
+              </a:lnSpc>
+              <a:spcBef>
+                <a:spcPts val="0"/>
+              </a:spcBef>
+              <a:spcAft>
+                <a:spcPts val="0"/>
+              </a:spcAft>
+              <a:buClr>
+                <a:schemeClr val="lt1"/>
+              </a:buClr>
+              <a:buSzPct val="100000"/>
+              <a:buFont typeface="Quicksand"/>
+              <a:buChar char="❖"/>
+            </a:pPr>
+            <a:r>
+              <a:rPr lang="en-US" sz="2400">
+                <a:solidFill>
+                  <a:schemeClr val="lt1"/>
+                </a:solidFill>
+                <a:latin typeface="Quicksand"/>
+                <a:ea typeface="Quicksand"/>
+                <a:cs typeface="Quicksand"/>
+                <a:sym typeface="Quicksand"/>
+              </a:rPr>
+              <a:t>Portfolios:</a:t>
+            </a:r>
+          </a:p>
+          <a:p>
+            <a:pPr marL="742950" marR="0" lvl="1" indent="-260350" algn="l" rtl="0">
+              <a:lnSpc>
+                <a:spcPct val="100000"/>
+              </a:lnSpc>
+              <a:spcBef>
+                <a:spcPts val="0"/>
+              </a:spcBef>
+              <a:spcAft>
+                <a:spcPts val="0"/>
+              </a:spcAft>
+              <a:buClr>
+                <a:srgbClr val="FFFFFF"/>
+              </a:buClr>
+              <a:buSzPct val="100000"/>
+              <a:buFont typeface="Quicksand"/>
+              <a:buChar char="➢"/>
+            </a:pPr>
+            <a:r>
+              <a:rPr lang="en-US" sz="2400">
+                <a:solidFill>
+                  <a:schemeClr val="lt1"/>
+                </a:solidFill>
+                <a:latin typeface="Quicksand"/>
+                <a:ea typeface="Quicksand"/>
+                <a:cs typeface="Quicksand"/>
+                <a:sym typeface="Quicksand"/>
+                <a:hlinkClick r:id="rId3"/>
+              </a:rPr>
+              <a:t>http://wadeness23.wix.com/pwa1-portfolio</a:t>
+            </a:r>
+          </a:p>
+          <a:p>
+            <a:pPr marL="742950" marR="0" lvl="1" indent="-260350" algn="l" rtl="0">
+              <a:lnSpc>
+                <a:spcPct val="100000"/>
+              </a:lnSpc>
+              <a:spcBef>
+                <a:spcPts val="0"/>
+              </a:spcBef>
+              <a:spcAft>
+                <a:spcPts val="0"/>
+              </a:spcAft>
+              <a:buClr>
+                <a:srgbClr val="FFFFFF"/>
+              </a:buClr>
+              <a:buSzPct val="100000"/>
+              <a:buFont typeface="Quicksand"/>
+              <a:buChar char="➢"/>
+            </a:pPr>
+            <a:r>
+              <a:rPr lang="en-US" sz="2400">
+                <a:solidFill>
+                  <a:schemeClr val="lt1"/>
+                </a:solidFill>
+                <a:latin typeface="Quicksand"/>
+                <a:ea typeface="Quicksand"/>
+                <a:cs typeface="Quicksand"/>
+                <a:sym typeface="Quicksand"/>
+                <a:hlinkClick r:id="rId4"/>
+              </a:rPr>
+              <a:t>http://yxnely.wix.com/pwa1-portfolio</a:t>
+            </a:r>
+          </a:p>
+        </p:txBody>
+      </p:sp>
+      <p:sp>
+        <p:nvSpPr>
+          <p:cNvPr id="133" name="Shape 133"/>
+          <p:cNvSpPr txBox="1">
+            <a:spLocks noGrp="1"/>
+          </p:cNvSpPr>
+          <p:nvPr>
+            <p:ph type="title"/>
+          </p:nvPr>
+        </p:nvSpPr>
+        <p:spPr>
+          <a:xfrm>
+            <a:off x="457200" y="206737"/>
+            <a:ext cx="8229600" cy="1325700"/>
+          </a:xfrm>
+          <a:prstGeom prst="rect">
+            <a:avLst/>
+          </a:prstGeom>
+          <a:noFill/>
+          <a:ln>
+            <a:noFill/>
+          </a:ln>
+        </p:spPr>
+        <p:txBody>
+          <a:bodyPr lIns="91425" tIns="45700" rIns="91425" bIns="45700" anchor="b" anchorCtr="0">
+            <a:noAutofit/>
+          </a:bodyPr>
+          <a:lstStyle/>
+          <a:p>
+            <a:pPr marL="0" marR="0" lvl="0" indent="0" algn="ctr" rtl="0">
+              <a:spcBef>
+                <a:spcPts val="0"/>
+              </a:spcBef>
+              <a:buClr>
+                <a:schemeClr val="lt1"/>
+              </a:buClr>
+              <a:buSzPct val="25000"/>
+              <a:buFont typeface="Times New Roman"/>
+              <a:buNone/>
+            </a:pPr>
+            <a:r>
+              <a:rPr lang="en-US" sz="4900">
+                <a:solidFill>
+                  <a:schemeClr val="lt1"/>
+                </a:solidFill>
+                <a:latin typeface="Quicksand"/>
+                <a:ea typeface="Quicksand"/>
+                <a:cs typeface="Quicksand"/>
+                <a:sym typeface="Quicksand"/>
+              </a:rPr>
+              <a:t>Hosting and Backup</a:t>
+            </a:r>
+          </a:p>
+        </p:txBody>
+      </p:sp>
+      <p:cxnSp>
+        <p:nvCxnSpPr>
+          <p:cNvPr id="134" name="Shape 134"/>
+          <p:cNvCxnSpPr/>
+          <p:nvPr/>
+        </p:nvCxnSpPr>
+        <p:spPr>
+          <a:xfrm rot="10800000" flipH="1">
+            <a:off x="457200" y="6265074"/>
+            <a:ext cx="4694400" cy="5100"/>
+          </a:xfrm>
+          <a:prstGeom prst="straightConnector1">
+            <a:avLst/>
+          </a:prstGeom>
+          <a:noFill/>
+          <a:ln w="19050" cap="flat">
+            <a:solidFill>
+              <a:srgbClr val="D9EAD3"/>
+            </a:solidFill>
+            <a:prstDash val="solid"/>
+            <a:round/>
+            <a:headEnd type="none" w="lg" len="lg"/>
+            <a:tailEnd type="none" w="lg" len="lg"/>
+          </a:ln>
+        </p:spPr>
+      </p:cxnSp>
+      <p:pic>
+        <p:nvPicPr>
           <p:cNvPr id="135" name="Shape 135"/>
+          <p:cNvPicPr preferRelativeResize="0"/>
+          <p:nvPr/>
+        </p:nvPicPr>
+        <p:blipFill rotWithShape="1">
+          <a:blip r:embed="rId5">
+            <a:alphaModFix/>
+          </a:blip>
+          <a:srcRect/>
+          <a:stretch/>
+        </p:blipFill>
+        <p:spPr>
+          <a:xfrm>
+            <a:off x="7640326" y="5940175"/>
+            <a:ext cx="1313700" cy="556199"/>
+          </a:xfrm>
+          <a:prstGeom prst="rect">
+            <a:avLst/>
+          </a:prstGeom>
+          <a:noFill/>
+          <a:ln>
+            <a:noFill/>
+          </a:ln>
+        </p:spPr>
+      </p:pic>
+      <p:sp>
+        <p:nvSpPr>
+          <p:cNvPr id="136" name="Shape 136"/>
+          <p:cNvSpPr txBox="1"/>
+          <p:nvPr/>
+        </p:nvSpPr>
+        <p:spPr>
+          <a:xfrm>
+            <a:off x="5351212" y="5989525"/>
+            <a:ext cx="2089500" cy="556199"/>
+          </a:xfrm>
+          <a:prstGeom prst="rect">
+            <a:avLst/>
+          </a:prstGeom>
+          <a:noFill/>
+          <a:ln>
+            <a:noFill/>
+          </a:ln>
+        </p:spPr>
+        <p:txBody>
+          <a:bodyPr lIns="91425" tIns="91425" rIns="91425" bIns="91425" anchor="t" anchorCtr="0">
+            <a:noAutofit/>
+          </a:bodyPr>
+          <a:lstStyle/>
+          <a:p>
+            <a:pPr lvl="0" rtl="0">
+              <a:spcBef>
+                <a:spcPts val="0"/>
+              </a:spcBef>
+              <a:buNone/>
+            </a:pPr>
+            <a:r>
+              <a:rPr lang="en-US" sz="1800">
+                <a:solidFill>
+                  <a:srgbClr val="FFFFFF"/>
+                </a:solidFill>
+                <a:latin typeface="Lobster"/>
+                <a:ea typeface="Lobster"/>
+                <a:cs typeface="Lobster"/>
+                <a:sym typeface="Lobster"/>
+              </a:rPr>
+              <a:t>PWA - International</a:t>
+            </a:r>
+          </a:p>
+        </p:txBody>
+      </p:sp>
+      <p:cxnSp>
+        <p:nvCxnSpPr>
+          <p:cNvPr id="137" name="Shape 137"/>
+          <p:cNvCxnSpPr/>
+          <p:nvPr/>
+        </p:nvCxnSpPr>
+        <p:spPr>
+          <a:xfrm>
+            <a:off x="7500050" y="5992075"/>
+            <a:ext cx="0" cy="452400"/>
+          </a:xfrm>
+          <a:prstGeom prst="straightConnector1">
+            <a:avLst/>
+          </a:prstGeom>
+          <a:noFill/>
+          <a:ln w="19050" cap="flat">
+            <a:solidFill>
+              <a:srgbClr val="D9EAD3"/>
+            </a:solidFill>
+            <a:prstDash val="solid"/>
+            <a:round/>
+            <a:headEnd type="none" w="lg" len="lg"/>
+            <a:tailEnd type="none" w="lg" len="lg"/>
+          </a:ln>
+        </p:spPr>
+      </p:cxnSp>
+    </p:spTree>
+  </p:cSld>
+  <p:clrMapOvr>
+    <a:masterClrMapping/>
+  </p:clrMapOvr>
+  <p:transition xmlns:p14="http://schemas.microsoft.com/office/powerpoint/2010/main" spd="slow">
+    <p:cut/>
+  </p:transition>
+</p:sld>
+</file>
+
+<file path=ppt/slides/slide11.xml><?xml version="1.0" encoding="utf-8"?>
+<p:sld xmlns:a="http://schemas.openxmlformats.org/drawingml/2006/main" xmlns:r="http://schemas.openxmlformats.org/officeDocument/2006/relationships" xmlns:p="http://schemas.openxmlformats.org/presentationml/2006/main">
+  <p:cSld>
+    <p:bg>
+      <p:bgPr>
+        <a:solidFill>
+          <a:srgbClr val="93C47D"/>
+        </a:solidFill>
+        <a:effectLst/>
+      </p:bgPr>
+    </p:bg>
+    <p:spTree>
+      <p:nvGrpSpPr>
+        <p:cNvPr id="1" name="Shape 141"/>
+        <p:cNvGrpSpPr/>
+        <p:nvPr/>
+      </p:nvGrpSpPr>
+      <p:grpSpPr>
+        <a:xfrm>
+          <a:off x="0" y="0"/>
+          <a:ext cx="0" cy="0"/>
+          <a:chOff x="0" y="0"/>
+          <a:chExt cx="0" cy="0"/>
+        </a:xfrm>
+      </p:grpSpPr>
+      <p:sp>
+        <p:nvSpPr>
+          <p:cNvPr id="142" name="Shape 142"/>
           <p:cNvSpPr txBox="1">
             <a:spLocks noGrp="1"/>
           </p:cNvSpPr>
@@ -5438,7 +6013,7 @@
       </p:sp>
       <p:sp>
         <p:nvSpPr>
-          <p:cNvPr id="136" name="Shape 136"/>
+          <p:cNvPr id="143" name="Shape 143"/>
           <p:cNvSpPr txBox="1">
             <a:spLocks noGrp="1"/>
           </p:cNvSpPr>
@@ -5484,7 +6059,7 @@
       </p:sp>
       <p:cxnSp>
         <p:nvCxnSpPr>
-          <p:cNvPr id="137" name="Shape 137"/>
+          <p:cNvPr id="144" name="Shape 144"/>
           <p:cNvCxnSpPr/>
           <p:nvPr/>
         </p:nvCxnSpPr>
@@ -5499,7 +6074,7 @@
           <a:noFill/>
           <a:ln w="19050" cap="flat">
             <a:solidFill>
-              <a:srgbClr val="1155CC"/>
+              <a:srgbClr val="D9EAD3"/>
             </a:solidFill>
             <a:prstDash val="solid"/>
             <a:round/>
@@ -5510,7 +6085,7 @@
       </p:cxnSp>
       <p:pic>
         <p:nvPicPr>
-          <p:cNvPr id="138" name="Shape 138"/>
+          <p:cNvPr id="145" name="Shape 145"/>
           <p:cNvPicPr preferRelativeResize="0"/>
           <p:nvPr/>
         </p:nvPicPr>
@@ -5537,7 +6112,7 @@
       </p:pic>
       <p:sp>
         <p:nvSpPr>
-          <p:cNvPr id="139" name="Shape 139"/>
+          <p:cNvPr id="146" name="Shape 146"/>
           <p:cNvSpPr txBox="1"/>
           <p:nvPr/>
         </p:nvSpPr>
@@ -5583,7 +6158,7 @@
       </p:sp>
       <p:cxnSp>
         <p:nvCxnSpPr>
-          <p:cNvPr id="140" name="Shape 140"/>
+          <p:cNvPr id="147" name="Shape 147"/>
           <p:cNvCxnSpPr/>
           <p:nvPr/>
         </p:nvCxnSpPr>
@@ -5598,7 +6173,7 @@
           <a:noFill/>
           <a:ln w="19050" cap="flat">
             <a:solidFill>
-              <a:srgbClr val="1155CC"/>
+              <a:srgbClr val="D9EAD3"/>
             </a:solidFill>
             <a:prstDash val="solid"/>
             <a:round/>
@@ -5624,9 +6199,7 @@
     <p:bg>
       <p:bgPr>
         <a:solidFill>
-          <a:srgbClr val="003171">
-            <a:alpha val="94900"/>
-          </a:srgbClr>
+          <a:srgbClr val="93C47D"/>
         </a:solidFill>
         <a:effectLst/>
       </p:bgPr>
@@ -5803,7 +6376,7 @@
           <a:noFill/>
           <a:ln w="19050" cap="flat">
             <a:solidFill>
-              <a:srgbClr val="1155CC"/>
+              <a:srgbClr val="D9EAD3"/>
             </a:solidFill>
             <a:prstDash val="solid"/>
             <a:round/>
@@ -5902,7 +6475,7 @@
           <a:noFill/>
           <a:ln w="19050" cap="flat">
             <a:solidFill>
-              <a:srgbClr val="1155CC"/>
+              <a:srgbClr val="D9EAD3"/>
             </a:solidFill>
             <a:prstDash val="solid"/>
             <a:round/>
@@ -5928,9 +6501,7 @@
     <p:bg>
       <p:bgPr>
         <a:solidFill>
-          <a:srgbClr val="003171">
-            <a:alpha val="94900"/>
-          </a:srgbClr>
+          <a:srgbClr val="93C47D"/>
         </a:solidFill>
         <a:effectLst/>
       </p:bgPr>
@@ -6074,7 +6645,7 @@
           <a:noFill/>
           <a:ln w="19050" cap="flat">
             <a:solidFill>
-              <a:srgbClr val="1155CC"/>
+              <a:srgbClr val="D9EAD3"/>
             </a:solidFill>
             <a:prstDash val="solid"/>
             <a:round/>
@@ -6173,7 +6744,7 @@
           <a:noFill/>
           <a:ln w="19050" cap="flat">
             <a:solidFill>
-              <a:srgbClr val="1155CC"/>
+              <a:srgbClr val="D9EAD3"/>
             </a:solidFill>
             <a:prstDash val="solid"/>
             <a:round/>
@@ -6199,9 +6770,7 @@
     <p:bg>
       <p:bgPr>
         <a:solidFill>
-          <a:srgbClr val="003171">
-            <a:alpha val="94900"/>
-          </a:srgbClr>
+          <a:srgbClr val="93C47D"/>
         </a:solidFill>
         <a:effectLst/>
       </p:bgPr>
@@ -6434,7 +7003,7 @@
           <a:noFill/>
           <a:ln w="19050" cap="flat">
             <a:solidFill>
-              <a:srgbClr val="1155CC"/>
+              <a:srgbClr val="D9EAD3"/>
             </a:solidFill>
             <a:prstDash val="solid"/>
             <a:round/>
@@ -6533,7 +7102,7 @@
           <a:noFill/>
           <a:ln w="19050" cap="flat">
             <a:solidFill>
-              <a:srgbClr val="1155CC"/>
+              <a:srgbClr val="D9EAD3"/>
             </a:solidFill>
             <a:prstDash val="solid"/>
             <a:round/>
@@ -6559,9 +7128,7 @@
     <p:bg>
       <p:bgPr>
         <a:solidFill>
-          <a:srgbClr val="003171">
-            <a:alpha val="94900"/>
-          </a:srgbClr>
+          <a:srgbClr val="93C47D"/>
         </a:solidFill>
         <a:effectLst/>
       </p:bgPr>
@@ -6837,7 +7404,7 @@
           <a:noFill/>
           <a:ln w="19050" cap="flat">
             <a:solidFill>
-              <a:srgbClr val="1155CC"/>
+              <a:srgbClr val="D9EAD3"/>
             </a:solidFill>
             <a:prstDash val="solid"/>
             <a:round/>
@@ -6936,7 +7503,7 @@
           <a:noFill/>
           <a:ln w="19050" cap="flat">
             <a:solidFill>
-              <a:srgbClr val="1155CC"/>
+              <a:srgbClr val="D9EAD3"/>
             </a:solidFill>
             <a:prstDash val="solid"/>
             <a:round/>
@@ -6962,9 +7529,7 @@
     <p:bg>
       <p:bgPr>
         <a:solidFill>
-          <a:srgbClr val="003171">
-            <a:alpha val="94900"/>
-          </a:srgbClr>
+          <a:srgbClr val="93C47D"/>
         </a:solidFill>
         <a:effectLst/>
       </p:bgPr>
@@ -6983,20 +7548,24 @@
           <a:chExt cx="0" cy="0"/>
         </a:xfrm>
       </p:grpSpPr>
-      <p:sp>
-        <p:nvSpPr>
+      <p:pic>
+        <p:nvPicPr>
           <p:cNvPr id="91" name="Shape 91"/>
-          <p:cNvSpPr txBox="1">
-            <a:spLocks noGrp="1"/>
-          </p:cNvSpPr>
-          <p:nvPr>
-            <p:ph type="body" idx="1"/>
-          </p:nvPr>
-        </p:nvSpPr>
-        <p:spPr>
-          <a:xfrm>
-            <a:off x="766925" y="1943250"/>
-            <a:ext cx="8115599" cy="3645599"/>
+          <p:cNvPicPr preferRelativeResize="0"/>
+          <p:nvPr/>
+        </p:nvPicPr>
+        <p:blipFill>
+          <a:blip r:embed="rId3">
+            <a:alphaModFix/>
+          </a:blip>
+          <a:stretch>
+            <a:fillRect/>
+          </a:stretch>
+        </p:blipFill>
+        <p:spPr>
+          <a:xfrm>
+            <a:off x="2700874" y="1512525"/>
+            <a:ext cx="3499424" cy="5046525"/>
           </a:xfrm>
           <a:prstGeom prst="rect">
             <a:avLst/>
@@ -7006,31 +7575,68 @@
             <a:noFill/>
           </a:ln>
         </p:spPr>
+      </p:pic>
+      <p:pic>
+        <p:nvPicPr>
+          <p:cNvPr id="92" name="Shape 92"/>
+          <p:cNvPicPr preferRelativeResize="0"/>
+          <p:nvPr/>
+        </p:nvPicPr>
+        <p:blipFill>
+          <a:blip r:embed="rId4">
+            <a:alphaModFix/>
+          </a:blip>
+          <a:stretch>
+            <a:fillRect/>
+          </a:stretch>
+        </p:blipFill>
+        <p:spPr>
+          <a:xfrm>
+            <a:off x="6998225" y="142050"/>
+            <a:ext cx="1583133" cy="6573900"/>
+          </a:xfrm>
+          <a:prstGeom prst="rect">
+            <a:avLst/>
+          </a:prstGeom>
+          <a:noFill/>
+          <a:ln>
+            <a:noFill/>
+          </a:ln>
+        </p:spPr>
+      </p:pic>
+      <p:sp>
+        <p:nvSpPr>
+          <p:cNvPr id="93" name="Shape 93"/>
+          <p:cNvSpPr txBox="1"/>
+          <p:nvPr/>
+        </p:nvSpPr>
+        <p:spPr>
+          <a:xfrm>
+            <a:off x="0" y="0"/>
+            <a:ext cx="6533999" cy="1419900"/>
+          </a:xfrm>
+          <a:prstGeom prst="rect">
+            <a:avLst/>
+          </a:prstGeom>
+          <a:noFill/>
+          <a:ln>
+            <a:noFill/>
+          </a:ln>
+        </p:spPr>
         <p:txBody>
-          <a:bodyPr lIns="91425" tIns="45700" rIns="91425" bIns="45700" anchor="ctr" anchorCtr="0">
+          <a:bodyPr lIns="91425" tIns="91425" rIns="91425" bIns="91425" anchor="ctr" anchorCtr="0">
             <a:noAutofit/>
           </a:bodyPr>
           <a:lstStyle/>
           <a:p>
-            <a:pPr marL="274320" marR="0" lvl="0" indent="-346710" algn="l" rtl="0">
-              <a:lnSpc>
-                <a:spcPct val="100000"/>
-              </a:lnSpc>
-              <a:spcBef>
-                <a:spcPts val="0"/>
-              </a:spcBef>
-              <a:spcAft>
-                <a:spcPts val="0"/>
-              </a:spcAft>
-              <a:buClr>
-                <a:schemeClr val="lt1"/>
-              </a:buClr>
-              <a:buSzPct val="100000"/>
-              <a:buFont typeface="Quicksand"/>
-              <a:buChar char="❖"/>
+            <a:pPr lvl="0" algn="ctr" rtl="0">
+              <a:spcBef>
+                <a:spcPts val="0"/>
+              </a:spcBef>
+              <a:buNone/>
             </a:pPr>
             <a:r>
-              <a:rPr lang="en-US" sz="2600">
+              <a:rPr lang="en-US" sz="4900" b="1">
                 <a:solidFill>
                   <a:schemeClr val="lt1"/>
                 </a:solidFill>
@@ -7039,424 +7645,11 @@
                 <a:cs typeface="Quicksand"/>
                 <a:sym typeface="Quicksand"/>
               </a:rPr>
-              <a:t>$50/hour*</a:t>
-            </a:r>
-          </a:p>
-          <a:p>
-            <a:pPr marL="274320" marR="0" lvl="0" indent="-346710" algn="l" rtl="0">
-              <a:lnSpc>
-                <a:spcPct val="100000"/>
-              </a:lnSpc>
-              <a:spcBef>
-                <a:spcPts val="0"/>
-              </a:spcBef>
-              <a:spcAft>
-                <a:spcPts val="0"/>
-              </a:spcAft>
-              <a:buClr>
-                <a:schemeClr val="lt1"/>
-              </a:buClr>
-              <a:buSzPct val="100000"/>
-              <a:buFont typeface="Quicksand"/>
-              <a:buChar char="❖"/>
-            </a:pPr>
-            <a:r>
-              <a:rPr lang="en-US" sz="2600">
-                <a:solidFill>
-                  <a:schemeClr val="lt1"/>
-                </a:solidFill>
-                <a:latin typeface="Quicksand"/>
-                <a:ea typeface="Quicksand"/>
-                <a:cs typeface="Quicksand"/>
-                <a:sym typeface="Quicksand"/>
-              </a:rPr>
-              <a:t>When you sign up for three projects, you get the third one for 10% off.</a:t>
-            </a:r>
-          </a:p>
-          <a:p>
-            <a:pPr marR="0" algn="l" rtl="0">
-              <a:lnSpc>
-                <a:spcPct val="100000"/>
-              </a:lnSpc>
-              <a:spcBef>
-                <a:spcPts val="0"/>
-              </a:spcBef>
-              <a:spcAft>
-                <a:spcPts val="0"/>
-              </a:spcAft>
-              <a:buNone/>
-            </a:pPr>
-            <a:endParaRPr sz="2600">
-              <a:solidFill>
-                <a:schemeClr val="lt1"/>
-              </a:solidFill>
-              <a:latin typeface="Quicksand"/>
-              <a:ea typeface="Quicksand"/>
-              <a:cs typeface="Quicksand"/>
-              <a:sym typeface="Quicksand"/>
-            </a:endParaRPr>
-          </a:p>
-          <a:p>
-            <a:pPr marR="0" algn="l" rtl="0">
-              <a:lnSpc>
-                <a:spcPct val="100000"/>
-              </a:lnSpc>
-              <a:spcBef>
-                <a:spcPts val="0"/>
-              </a:spcBef>
-              <a:spcAft>
-                <a:spcPts val="0"/>
-              </a:spcAft>
-              <a:buNone/>
-            </a:pPr>
-            <a:r>
-              <a:rPr lang="en-US" sz="2600">
-                <a:solidFill>
-                  <a:schemeClr val="lt1"/>
-                </a:solidFill>
-                <a:latin typeface="Quicksand"/>
-                <a:ea typeface="Quicksand"/>
-                <a:cs typeface="Quicksand"/>
-                <a:sym typeface="Quicksand"/>
-              </a:rPr>
-              <a:t>Example: </a:t>
-            </a:r>
-          </a:p>
-          <a:p>
-            <a:pPr marR="0" algn="l" rtl="0">
-              <a:lnSpc>
-                <a:spcPct val="100000"/>
-              </a:lnSpc>
-              <a:spcBef>
-                <a:spcPts val="0"/>
-              </a:spcBef>
-              <a:spcAft>
-                <a:spcPts val="0"/>
-              </a:spcAft>
-              <a:buNone/>
-            </a:pPr>
-            <a:r>
-              <a:rPr lang="en-US" sz="2600">
-                <a:solidFill>
-                  <a:schemeClr val="lt1"/>
-                </a:solidFill>
-                <a:latin typeface="Quicksand"/>
-                <a:ea typeface="Quicksand"/>
-                <a:cs typeface="Quicksand"/>
-                <a:sym typeface="Quicksand"/>
-              </a:rPr>
-              <a:t>	1st project = $2,500</a:t>
-            </a:r>
-          </a:p>
-          <a:p>
-            <a:pPr marR="0" algn="l" rtl="0">
-              <a:lnSpc>
-                <a:spcPct val="100000"/>
-              </a:lnSpc>
-              <a:spcBef>
-                <a:spcPts val="0"/>
-              </a:spcBef>
-              <a:spcAft>
-                <a:spcPts val="0"/>
-              </a:spcAft>
-              <a:buNone/>
-            </a:pPr>
-            <a:r>
-              <a:rPr lang="en-US" sz="2600">
-                <a:solidFill>
-                  <a:schemeClr val="lt1"/>
-                </a:solidFill>
-                <a:latin typeface="Quicksand"/>
-                <a:ea typeface="Quicksand"/>
-                <a:cs typeface="Quicksand"/>
-                <a:sym typeface="Quicksand"/>
-              </a:rPr>
-              <a:t>	2nd project = $3,400</a:t>
-            </a:r>
-          </a:p>
-          <a:p>
-            <a:pPr marR="0" lvl="0" algn="l" rtl="0">
-              <a:lnSpc>
-                <a:spcPct val="100000"/>
-              </a:lnSpc>
-              <a:spcBef>
-                <a:spcPts val="0"/>
-              </a:spcBef>
-              <a:spcAft>
-                <a:spcPts val="0"/>
-              </a:spcAft>
-              <a:buNone/>
-            </a:pPr>
-            <a:r>
-              <a:rPr lang="en-US" sz="2600">
-                <a:solidFill>
-                  <a:schemeClr val="lt1"/>
-                </a:solidFill>
-                <a:latin typeface="Quicksand"/>
-                <a:ea typeface="Quicksand"/>
-                <a:cs typeface="Quicksand"/>
-                <a:sym typeface="Quicksand"/>
-              </a:rPr>
-              <a:t>	3rd project = $3,000 - 10% = $2,700</a:t>
-            </a:r>
-          </a:p>
-          <a:p>
-            <a:pPr marR="0" algn="l" rtl="0">
-              <a:lnSpc>
-                <a:spcPct val="100000"/>
-              </a:lnSpc>
-              <a:spcBef>
-                <a:spcPts val="0"/>
-              </a:spcBef>
-              <a:spcAft>
-                <a:spcPts val="0"/>
-              </a:spcAft>
-              <a:buNone/>
-            </a:pPr>
-            <a:r>
-              <a:rPr lang="en-US" sz="2600">
-                <a:solidFill>
-                  <a:schemeClr val="lt1"/>
-                </a:solidFill>
-                <a:latin typeface="Quicksand"/>
-                <a:ea typeface="Quicksand"/>
-                <a:cs typeface="Quicksand"/>
-                <a:sym typeface="Quicksand"/>
-              </a:rPr>
-              <a:t>    Grand Total Price: $8,600</a:t>
-            </a:r>
-          </a:p>
-          <a:p>
-            <a:pPr marR="0" algn="l" rtl="0">
-              <a:lnSpc>
-                <a:spcPct val="100000"/>
-              </a:lnSpc>
-              <a:spcBef>
-                <a:spcPts val="0"/>
-              </a:spcBef>
-              <a:spcAft>
-                <a:spcPts val="0"/>
-              </a:spcAft>
-              <a:buNone/>
-            </a:pPr>
-            <a:endParaRPr sz="1800">
-              <a:solidFill>
-                <a:schemeClr val="lt1"/>
-              </a:solidFill>
-              <a:latin typeface="Quicksand"/>
-              <a:ea typeface="Quicksand"/>
-              <a:cs typeface="Quicksand"/>
-              <a:sym typeface="Quicksand"/>
-            </a:endParaRPr>
-          </a:p>
-          <a:p>
-            <a:pPr marR="0" lvl="0" algn="l" rtl="0">
-              <a:lnSpc>
-                <a:spcPct val="100000"/>
-              </a:lnSpc>
-              <a:spcBef>
-                <a:spcPts val="0"/>
-              </a:spcBef>
-              <a:spcAft>
-                <a:spcPts val="0"/>
-              </a:spcAft>
-              <a:buNone/>
-            </a:pPr>
-            <a:r>
-              <a:rPr lang="en-US" sz="1800">
-                <a:solidFill>
-                  <a:schemeClr val="lt1"/>
-                </a:solidFill>
-                <a:latin typeface="Quicksand"/>
-                <a:ea typeface="Quicksand"/>
-                <a:cs typeface="Quicksand"/>
-                <a:sym typeface="Quicksand"/>
-              </a:rPr>
-              <a:t>*subject to change</a:t>
+              <a:t>Flowchart Example</a:t>
             </a:r>
           </a:p>
         </p:txBody>
       </p:sp>
-      <p:sp>
-        <p:nvSpPr>
-          <p:cNvPr id="92" name="Shape 92"/>
-          <p:cNvSpPr txBox="1">
-            <a:spLocks noGrp="1"/>
-          </p:cNvSpPr>
-          <p:nvPr>
-            <p:ph type="title"/>
-          </p:nvPr>
-        </p:nvSpPr>
-        <p:spPr>
-          <a:xfrm>
-            <a:off x="457200" y="274637"/>
-            <a:ext cx="8229600" cy="1325700"/>
-          </a:xfrm>
-          <a:prstGeom prst="rect">
-            <a:avLst/>
-          </a:prstGeom>
-          <a:noFill/>
-          <a:ln>
-            <a:noFill/>
-          </a:ln>
-        </p:spPr>
-        <p:txBody>
-          <a:bodyPr lIns="91425" tIns="45700" rIns="91425" bIns="45700" anchor="b" anchorCtr="0">
-            <a:noAutofit/>
-          </a:bodyPr>
-          <a:lstStyle/>
-          <a:p>
-            <a:pPr marL="0" marR="0" lvl="0" indent="0" algn="ctr" rtl="0">
-              <a:spcBef>
-                <a:spcPts val="0"/>
-              </a:spcBef>
-              <a:buClr>
-                <a:schemeClr val="lt1"/>
-              </a:buClr>
-              <a:buSzPct val="25000"/>
-              <a:buFont typeface="Times New Roman"/>
-              <a:buNone/>
-            </a:pPr>
-            <a:r>
-              <a:rPr lang="en-US" sz="4900" i="0" u="none" strike="noStrike" cap="none" baseline="0">
-                <a:solidFill>
-                  <a:schemeClr val="lt1"/>
-                </a:solidFill>
-                <a:latin typeface="Quicksand"/>
-                <a:ea typeface="Quicksand"/>
-                <a:cs typeface="Quicksand"/>
-                <a:sym typeface="Quicksand"/>
-              </a:rPr>
-              <a:t>Prices</a:t>
-            </a:r>
-          </a:p>
-        </p:txBody>
-      </p:sp>
-      <p:cxnSp>
-        <p:nvCxnSpPr>
-          <p:cNvPr id="93" name="Shape 93"/>
-          <p:cNvCxnSpPr/>
-          <p:nvPr/>
-        </p:nvCxnSpPr>
-        <p:spPr>
-          <a:xfrm rot="10800000" flipH="1">
-            <a:off x="457200" y="6265074"/>
-            <a:ext cx="4694400" cy="5100"/>
-          </a:xfrm>
-          <a:prstGeom prst="straightConnector1">
-            <a:avLst/>
-          </a:prstGeom>
-          <a:noFill/>
-          <a:ln w="19050" cap="flat">
-            <a:solidFill>
-              <a:srgbClr val="1155CC"/>
-            </a:solidFill>
-            <a:prstDash val="solid"/>
-            <a:round/>
-            <a:headEnd type="none" w="lg" len="lg"/>
-            <a:tailEnd type="none" w="lg" len="lg"/>
-          </a:ln>
-        </p:spPr>
-      </p:cxnSp>
-      <p:pic>
-        <p:nvPicPr>
-          <p:cNvPr id="94" name="Shape 94"/>
-          <p:cNvPicPr preferRelativeResize="0"/>
-          <p:nvPr/>
-        </p:nvPicPr>
-        <p:blipFill rotWithShape="1">
-          <a:blip r:embed="rId3">
-            <a:alphaModFix/>
-          </a:blip>
-          <a:srcRect/>
-          <a:stretch/>
-        </p:blipFill>
-        <p:spPr>
-          <a:xfrm>
-            <a:off x="7640326" y="5940175"/>
-            <a:ext cx="1313700" cy="556199"/>
-          </a:xfrm>
-          <a:prstGeom prst="rect">
-            <a:avLst/>
-          </a:prstGeom>
-          <a:noFill/>
-          <a:ln>
-            <a:noFill/>
-          </a:ln>
-        </p:spPr>
-      </p:pic>
-      <p:sp>
-        <p:nvSpPr>
-          <p:cNvPr id="95" name="Shape 95"/>
-          <p:cNvSpPr txBox="1"/>
-          <p:nvPr/>
-        </p:nvSpPr>
-        <p:spPr>
-          <a:xfrm>
-            <a:off x="5351212" y="5989525"/>
-            <a:ext cx="2089500" cy="556199"/>
-          </a:xfrm>
-          <a:prstGeom prst="rect">
-            <a:avLst/>
-          </a:prstGeom>
-          <a:noFill/>
-          <a:ln>
-            <a:noFill/>
-          </a:ln>
-        </p:spPr>
-        <p:txBody>
-          <a:bodyPr lIns="91425" tIns="91425" rIns="91425" bIns="91425" anchor="t" anchorCtr="0">
-            <a:noAutofit/>
-          </a:bodyPr>
-          <a:lstStyle/>
-          <a:p>
-            <a:pPr lvl="0" rtl="0">
-              <a:spcBef>
-                <a:spcPts val="0"/>
-              </a:spcBef>
-              <a:buNone/>
-            </a:pPr>
-            <a:r>
-              <a:rPr lang="en-US" sz="1800">
-                <a:solidFill>
-                  <a:srgbClr val="FFFFFF"/>
-                </a:solidFill>
-                <a:latin typeface="Lobster"/>
-                <a:ea typeface="Lobster"/>
-                <a:cs typeface="Lobster"/>
-                <a:sym typeface="Lobster"/>
-              </a:rPr>
-              <a:t>PWA - International</a:t>
-            </a:r>
-          </a:p>
-        </p:txBody>
-      </p:sp>
-      <p:cxnSp>
-        <p:nvCxnSpPr>
-          <p:cNvPr id="96" name="Shape 96"/>
-          <p:cNvCxnSpPr/>
-          <p:nvPr/>
-        </p:nvCxnSpPr>
-        <p:spPr>
-          <a:xfrm>
-            <a:off x="7500050" y="5992075"/>
-            <a:ext cx="0" cy="452400"/>
-          </a:xfrm>
-          <a:prstGeom prst="straightConnector1">
-            <a:avLst/>
-          </a:prstGeom>
-          <a:noFill/>
-          <a:ln w="19050" cap="flat">
-            <a:solidFill>
-              <a:srgbClr val="1155CC"/>
-            </a:solidFill>
-            <a:prstDash val="solid"/>
-            <a:round/>
-            <a:headEnd type="none" w="lg" len="lg"/>
-            <a:tailEnd type="none" w="lg" len="lg"/>
-          </a:ln>
-        </p:spPr>
-      </p:cxnSp>
     </p:spTree>
   </p:cSld>
   <p:clrMapOvr>
@@ -7474,16 +7667,14 @@
     <p:bg>
       <p:bgPr>
         <a:solidFill>
-          <a:srgbClr val="003171">
-            <a:alpha val="94900"/>
-          </a:srgbClr>
+          <a:srgbClr val="93C47D"/>
         </a:solidFill>
         <a:effectLst/>
       </p:bgPr>
     </p:bg>
     <p:spTree>
       <p:nvGrpSpPr>
-        <p:cNvPr id="1" name="Shape 100"/>
+        <p:cNvPr id="1" name="Shape 97"/>
         <p:cNvGrpSpPr/>
         <p:nvPr/>
       </p:nvGrpSpPr>
@@ -7497,7 +7688,347 @@
       </p:grpSpPr>
       <p:sp>
         <p:nvSpPr>
-          <p:cNvPr id="101" name="Shape 101"/>
+          <p:cNvPr id="98" name="Shape 98"/>
+          <p:cNvSpPr txBox="1">
+            <a:spLocks noGrp="1"/>
+          </p:cNvSpPr>
+          <p:nvPr>
+            <p:ph type="body" idx="1"/>
+          </p:nvPr>
+        </p:nvSpPr>
+        <p:spPr>
+          <a:xfrm>
+            <a:off x="766925" y="1943250"/>
+            <a:ext cx="8115599" cy="3645599"/>
+          </a:xfrm>
+          <a:prstGeom prst="rect">
+            <a:avLst/>
+          </a:prstGeom>
+          <a:noFill/>
+          <a:ln>
+            <a:noFill/>
+          </a:ln>
+        </p:spPr>
+        <p:txBody>
+          <a:bodyPr lIns="91425" tIns="45700" rIns="91425" bIns="45700" anchor="ctr" anchorCtr="0">
+            <a:noAutofit/>
+          </a:bodyPr>
+          <a:lstStyle/>
+          <a:p>
+            <a:pPr marL="274320" marR="0" lvl="0" indent="-321310" algn="l" rtl="0">
+              <a:lnSpc>
+                <a:spcPct val="100000"/>
+              </a:lnSpc>
+              <a:spcBef>
+                <a:spcPts val="0"/>
+              </a:spcBef>
+              <a:spcAft>
+                <a:spcPts val="0"/>
+              </a:spcAft>
+              <a:buClr>
+                <a:schemeClr val="lt1"/>
+              </a:buClr>
+              <a:buSzPct val="100000"/>
+              <a:buFont typeface="Quicksand"/>
+              <a:buChar char="❖"/>
+            </a:pPr>
+            <a:r>
+              <a:rPr lang="en-US" sz="2200">
+                <a:solidFill>
+                  <a:schemeClr val="lt1"/>
+                </a:solidFill>
+                <a:latin typeface="Quicksand"/>
+                <a:ea typeface="Quicksand"/>
+                <a:cs typeface="Quicksand"/>
+                <a:sym typeface="Quicksand"/>
+              </a:rPr>
+              <a:t>$50/hour*</a:t>
+            </a:r>
+          </a:p>
+          <a:p>
+            <a:pPr marL="274320" marR="0" lvl="0" indent="-321310" algn="l" rtl="0">
+              <a:lnSpc>
+                <a:spcPct val="100000"/>
+              </a:lnSpc>
+              <a:spcBef>
+                <a:spcPts val="0"/>
+              </a:spcBef>
+              <a:spcAft>
+                <a:spcPts val="0"/>
+              </a:spcAft>
+              <a:buClr>
+                <a:schemeClr val="lt1"/>
+              </a:buClr>
+              <a:buSzPct val="100000"/>
+              <a:buFont typeface="Quicksand"/>
+              <a:buChar char="❖"/>
+            </a:pPr>
+            <a:r>
+              <a:rPr lang="en-US" sz="2200">
+                <a:solidFill>
+                  <a:schemeClr val="lt1"/>
+                </a:solidFill>
+                <a:latin typeface="Quicksand"/>
+                <a:ea typeface="Quicksand"/>
+                <a:cs typeface="Quicksand"/>
+                <a:sym typeface="Quicksand"/>
+              </a:rPr>
+              <a:t>When you sign up for three projects, you get the third one for 10% off.</a:t>
+            </a:r>
+          </a:p>
+          <a:p>
+            <a:pPr marR="0" algn="l" rtl="0">
+              <a:lnSpc>
+                <a:spcPct val="100000"/>
+              </a:lnSpc>
+              <a:spcBef>
+                <a:spcPts val="0"/>
+              </a:spcBef>
+              <a:spcAft>
+                <a:spcPts val="0"/>
+              </a:spcAft>
+              <a:buNone/>
+            </a:pPr>
+            <a:endParaRPr sz="2200">
+              <a:solidFill>
+                <a:schemeClr val="lt1"/>
+              </a:solidFill>
+              <a:latin typeface="Quicksand"/>
+              <a:ea typeface="Quicksand"/>
+              <a:cs typeface="Quicksand"/>
+              <a:sym typeface="Quicksand"/>
+            </a:endParaRPr>
+          </a:p>
+          <a:p>
+            <a:pPr marR="0" algn="l" rtl="0">
+              <a:lnSpc>
+                <a:spcPct val="100000"/>
+              </a:lnSpc>
+              <a:spcBef>
+                <a:spcPts val="0"/>
+              </a:spcBef>
+              <a:spcAft>
+                <a:spcPts val="0"/>
+              </a:spcAft>
+              <a:buNone/>
+            </a:pPr>
+            <a:r>
+              <a:rPr lang="en-US" sz="2200">
+                <a:solidFill>
+                  <a:schemeClr val="lt1"/>
+                </a:solidFill>
+                <a:latin typeface="Quicksand"/>
+                <a:ea typeface="Quicksand"/>
+                <a:cs typeface="Quicksand"/>
+                <a:sym typeface="Quicksand"/>
+              </a:rPr>
+              <a:t>Example: </a:t>
+            </a:r>
+          </a:p>
+          <a:p>
+            <a:pPr marR="0" algn="l" rtl="0">
+              <a:lnSpc>
+                <a:spcPct val="100000"/>
+              </a:lnSpc>
+              <a:spcBef>
+                <a:spcPts val="0"/>
+              </a:spcBef>
+              <a:spcAft>
+                <a:spcPts val="0"/>
+              </a:spcAft>
+              <a:buNone/>
+            </a:pPr>
+            <a:r>
+              <a:rPr lang="en-US" sz="2200">
+                <a:solidFill>
+                  <a:schemeClr val="lt1"/>
+                </a:solidFill>
+                <a:latin typeface="Quicksand"/>
+                <a:ea typeface="Quicksand"/>
+                <a:cs typeface="Quicksand"/>
+                <a:sym typeface="Quicksand"/>
+              </a:rPr>
+              <a:t>	1st project = $2,500</a:t>
+            </a:r>
+          </a:p>
+          <a:p>
+            <a:pPr marR="0" algn="l" rtl="0">
+              <a:lnSpc>
+                <a:spcPct val="100000"/>
+              </a:lnSpc>
+              <a:spcBef>
+                <a:spcPts val="0"/>
+              </a:spcBef>
+              <a:spcAft>
+                <a:spcPts val="0"/>
+              </a:spcAft>
+              <a:buNone/>
+            </a:pPr>
+            <a:r>
+              <a:rPr lang="en-US" sz="2200">
+                <a:solidFill>
+                  <a:schemeClr val="lt1"/>
+                </a:solidFill>
+                <a:latin typeface="Quicksand"/>
+                <a:ea typeface="Quicksand"/>
+                <a:cs typeface="Quicksand"/>
+                <a:sym typeface="Quicksand"/>
+              </a:rPr>
+              <a:t>	2nd project = $3,400</a:t>
+            </a:r>
+          </a:p>
+          <a:p>
+            <a:pPr marR="0" lvl="0" algn="l" rtl="0">
+              <a:lnSpc>
+                <a:spcPct val="100000"/>
+              </a:lnSpc>
+              <a:spcBef>
+                <a:spcPts val="0"/>
+              </a:spcBef>
+              <a:spcAft>
+                <a:spcPts val="0"/>
+              </a:spcAft>
+              <a:buNone/>
+            </a:pPr>
+            <a:r>
+              <a:rPr lang="en-US" sz="2200">
+                <a:solidFill>
+                  <a:schemeClr val="lt1"/>
+                </a:solidFill>
+                <a:latin typeface="Quicksand"/>
+                <a:ea typeface="Quicksand"/>
+                <a:cs typeface="Quicksand"/>
+                <a:sym typeface="Quicksand"/>
+              </a:rPr>
+              <a:t>	3rd project = $3,000 - 10% = $2,700</a:t>
+            </a:r>
+          </a:p>
+          <a:p>
+            <a:pPr marR="0" algn="l" rtl="0">
+              <a:lnSpc>
+                <a:spcPct val="100000"/>
+              </a:lnSpc>
+              <a:spcBef>
+                <a:spcPts val="0"/>
+              </a:spcBef>
+              <a:spcAft>
+                <a:spcPts val="0"/>
+              </a:spcAft>
+              <a:buNone/>
+            </a:pPr>
+            <a:r>
+              <a:rPr lang="en-US" sz="2200">
+                <a:solidFill>
+                  <a:schemeClr val="lt1"/>
+                </a:solidFill>
+                <a:latin typeface="Quicksand"/>
+                <a:ea typeface="Quicksand"/>
+                <a:cs typeface="Quicksand"/>
+                <a:sym typeface="Quicksand"/>
+              </a:rPr>
+              <a:t>    Grand Total Price: $8,600</a:t>
+            </a:r>
+          </a:p>
+          <a:p>
+            <a:pPr marR="0" algn="l" rtl="0">
+              <a:lnSpc>
+                <a:spcPct val="100000"/>
+              </a:lnSpc>
+              <a:spcBef>
+                <a:spcPts val="0"/>
+              </a:spcBef>
+              <a:spcAft>
+                <a:spcPts val="0"/>
+              </a:spcAft>
+              <a:buNone/>
+            </a:pPr>
+            <a:endParaRPr sz="2200">
+              <a:solidFill>
+                <a:schemeClr val="lt1"/>
+              </a:solidFill>
+              <a:latin typeface="Quicksand"/>
+              <a:ea typeface="Quicksand"/>
+              <a:cs typeface="Quicksand"/>
+              <a:sym typeface="Quicksand"/>
+            </a:endParaRPr>
+          </a:p>
+          <a:p>
+            <a:pPr marR="0" lvl="0" algn="l" rtl="0">
+              <a:lnSpc>
+                <a:spcPct val="100000"/>
+              </a:lnSpc>
+              <a:spcBef>
+                <a:spcPts val="0"/>
+              </a:spcBef>
+              <a:spcAft>
+                <a:spcPts val="0"/>
+              </a:spcAft>
+              <a:buNone/>
+            </a:pPr>
+            <a:r>
+              <a:rPr lang="en-US" sz="2200">
+                <a:solidFill>
+                  <a:schemeClr val="lt1"/>
+                </a:solidFill>
+                <a:latin typeface="Quicksand"/>
+                <a:ea typeface="Quicksand"/>
+                <a:cs typeface="Quicksand"/>
+                <a:sym typeface="Quicksand"/>
+              </a:rPr>
+              <a:t>* After 2nd revision of contract we have to charge by hour regardless of your budget</a:t>
+            </a:r>
+          </a:p>
+          <a:p>
+            <a:pPr marR="0" algn="l" rtl="0">
+              <a:lnSpc>
+                <a:spcPct val="100000"/>
+              </a:lnSpc>
+              <a:spcBef>
+                <a:spcPts val="0"/>
+              </a:spcBef>
+              <a:spcAft>
+                <a:spcPts val="0"/>
+              </a:spcAft>
+              <a:buNone/>
+            </a:pPr>
+            <a:endParaRPr sz="2200">
+              <a:solidFill>
+                <a:schemeClr val="lt1"/>
+              </a:solidFill>
+              <a:latin typeface="Quicksand"/>
+              <a:ea typeface="Quicksand"/>
+              <a:cs typeface="Quicksand"/>
+              <a:sym typeface="Quicksand"/>
+            </a:endParaRPr>
+          </a:p>
+          <a:p>
+            <a:pPr marR="0" lvl="0" algn="l" rtl="0">
+              <a:lnSpc>
+                <a:spcPct val="100000"/>
+              </a:lnSpc>
+              <a:spcBef>
+                <a:spcPts val="0"/>
+              </a:spcBef>
+              <a:spcAft>
+                <a:spcPts val="0"/>
+              </a:spcAft>
+              <a:buNone/>
+            </a:pPr>
+            <a:endParaRPr sz="2200">
+              <a:solidFill>
+                <a:schemeClr val="lt1"/>
+              </a:solidFill>
+              <a:latin typeface="Quicksand"/>
+              <a:ea typeface="Quicksand"/>
+              <a:cs typeface="Quicksand"/>
+              <a:sym typeface="Quicksand"/>
+            </a:endParaRPr>
+          </a:p>
+        </p:txBody>
+      </p:sp>
+      <p:sp>
+        <p:nvSpPr>
+          <p:cNvPr id="99" name="Shape 99"/>
           <p:cNvSpPr txBox="1">
             <a:spLocks noGrp="1"/>
           </p:cNvSpPr>
@@ -7507,8 +8038,8 @@
         </p:nvSpPr>
         <p:spPr>
           <a:xfrm>
-            <a:off x="457200" y="274637"/>
-            <a:ext cx="8229600" cy="1325700"/>
+            <a:off x="457200" y="243921"/>
+            <a:ext cx="8229600" cy="892800"/>
           </a:xfrm>
           <a:prstGeom prst="rect">
             <a:avLst/>
@@ -7545,14 +8076,14 @@
                 <a:cs typeface="Quicksand"/>
                 <a:sym typeface="Quicksand"/>
               </a:rPr>
-              <a:t>Clients</a:t>
+              <a:t>Prices</a:t>
             </a:r>
           </a:p>
         </p:txBody>
       </p:sp>
       <p:cxnSp>
         <p:nvCxnSpPr>
-          <p:cNvPr id="102" name="Shape 102"/>
+          <p:cNvPr id="100" name="Shape 100"/>
           <p:cNvCxnSpPr/>
           <p:nvPr/>
         </p:nvCxnSpPr>
@@ -7567,7 +8098,7 @@
           <a:noFill/>
           <a:ln w="19050" cap="flat">
             <a:solidFill>
-              <a:srgbClr val="1155CC"/>
+              <a:srgbClr val="D9EAD3"/>
             </a:solidFill>
             <a:prstDash val="solid"/>
             <a:round/>
@@ -7578,7 +8109,7 @@
       </p:cxnSp>
       <p:pic>
         <p:nvPicPr>
-          <p:cNvPr id="103" name="Shape 103"/>
+          <p:cNvPr id="101" name="Shape 101"/>
           <p:cNvPicPr preferRelativeResize="0"/>
           <p:nvPr/>
         </p:nvPicPr>
@@ -7605,7 +8136,7 @@
       </p:pic>
       <p:sp>
         <p:nvSpPr>
-          <p:cNvPr id="104" name="Shape 104"/>
+          <p:cNvPr id="102" name="Shape 102"/>
           <p:cNvSpPr txBox="1"/>
           <p:nvPr/>
         </p:nvSpPr>
@@ -7651,7 +8182,7 @@
       </p:sp>
       <p:cxnSp>
         <p:nvCxnSpPr>
-          <p:cNvPr id="105" name="Shape 105"/>
+          <p:cNvPr id="103" name="Shape 103"/>
           <p:cNvCxnSpPr/>
           <p:nvPr/>
         </p:nvCxnSpPr>
@@ -7666,7 +8197,7 @@
           <a:noFill/>
           <a:ln w="19050" cap="flat">
             <a:solidFill>
-              <a:srgbClr val="1155CC"/>
+              <a:srgbClr val="D9EAD3"/>
             </a:solidFill>
             <a:prstDash val="solid"/>
             <a:round/>
@@ -7675,162 +8206,6 @@
           </a:ln>
         </p:spPr>
       </p:cxnSp>
-      <p:pic>
-        <p:nvPicPr>
-          <p:cNvPr id="106" name="Shape 106"/>
-          <p:cNvPicPr preferRelativeResize="0"/>
-          <p:nvPr/>
-        </p:nvPicPr>
-        <p:blipFill>
-          <a:blip r:embed="rId4">
-            <a:alphaModFix/>
-          </a:blip>
-          <a:stretch>
-            <a:fillRect/>
-          </a:stretch>
-        </p:blipFill>
-        <p:spPr>
-          <a:xfrm>
-            <a:off x="3936025" y="1654937"/>
-            <a:ext cx="1271962" cy="1544800"/>
-          </a:xfrm>
-          <a:prstGeom prst="rect">
-            <a:avLst/>
-          </a:prstGeom>
-          <a:noFill/>
-          <a:ln>
-            <a:noFill/>
-          </a:ln>
-        </p:spPr>
-      </p:pic>
-      <p:pic>
-        <p:nvPicPr>
-          <p:cNvPr id="107" name="Shape 107"/>
-          <p:cNvPicPr preferRelativeResize="0"/>
-          <p:nvPr/>
-        </p:nvPicPr>
-        <p:blipFill rotWithShape="1">
-          <a:blip r:embed="rId5">
-            <a:alphaModFix/>
-          </a:blip>
-          <a:srcRect t="40897" b="43968"/>
-          <a:stretch/>
-        </p:blipFill>
-        <p:spPr>
-          <a:xfrm>
-            <a:off x="497725" y="3720700"/>
-            <a:ext cx="6200114" cy="938312"/>
-          </a:xfrm>
-          <a:prstGeom prst="rect">
-            <a:avLst/>
-          </a:prstGeom>
-          <a:noFill/>
-          <a:ln>
-            <a:noFill/>
-          </a:ln>
-        </p:spPr>
-      </p:pic>
-      <p:sp>
-        <p:nvSpPr>
-          <p:cNvPr id="108" name="Shape 108"/>
-          <p:cNvSpPr txBox="1"/>
-          <p:nvPr/>
-        </p:nvSpPr>
-        <p:spPr>
-          <a:xfrm>
-            <a:off x="3281575" y="4794425"/>
-            <a:ext cx="4875900" cy="716400"/>
-          </a:xfrm>
-          <a:prstGeom prst="rect">
-            <a:avLst/>
-          </a:prstGeom>
-          <a:noFill/>
-          <a:ln>
-            <a:noFill/>
-          </a:ln>
-        </p:spPr>
-        <p:txBody>
-          <a:bodyPr lIns="91425" tIns="91425" rIns="91425" bIns="91425" anchor="t" anchorCtr="0">
-            <a:noAutofit/>
-          </a:bodyPr>
-          <a:lstStyle/>
-          <a:p>
-            <a:pPr>
-              <a:spcBef>
-                <a:spcPts val="0"/>
-              </a:spcBef>
-              <a:buNone/>
-            </a:pPr>
-            <a:r>
-              <a:rPr lang="en-US" sz="4800">
-                <a:solidFill>
-                  <a:srgbClr val="B6D7A8"/>
-                </a:solidFill>
-                <a:latin typeface="Playball"/>
-                <a:ea typeface="Playball"/>
-                <a:cs typeface="Playball"/>
-                <a:sym typeface="Playball"/>
-              </a:rPr>
-              <a:t>Simply Serenity Spa</a:t>
-            </a:r>
-          </a:p>
-        </p:txBody>
-      </p:sp>
-      <p:pic>
-        <p:nvPicPr>
-          <p:cNvPr id="109" name="Shape 109"/>
-          <p:cNvPicPr preferRelativeResize="0"/>
-          <p:nvPr/>
-        </p:nvPicPr>
-        <p:blipFill rotWithShape="1">
-          <a:blip r:embed="rId6">
-            <a:alphaModFix/>
-          </a:blip>
-          <a:srcRect l="7221" t="24148" r="6705" b="36269"/>
-          <a:stretch/>
-        </p:blipFill>
-        <p:spPr>
-          <a:xfrm>
-            <a:off x="301175" y="1913425"/>
-            <a:ext cx="2980400" cy="1027850"/>
-          </a:xfrm>
-          <a:prstGeom prst="rect">
-            <a:avLst/>
-          </a:prstGeom>
-          <a:noFill/>
-          <a:ln>
-            <a:noFill/>
-          </a:ln>
-        </p:spPr>
-      </p:pic>
-      <p:pic>
-        <p:nvPicPr>
-          <p:cNvPr id="110" name="Shape 110"/>
-          <p:cNvPicPr preferRelativeResize="0"/>
-          <p:nvPr/>
-        </p:nvPicPr>
-        <p:blipFill>
-          <a:blip r:embed="rId7">
-            <a:alphaModFix/>
-          </a:blip>
-          <a:stretch>
-            <a:fillRect/>
-          </a:stretch>
-        </p:blipFill>
-        <p:spPr>
-          <a:xfrm>
-            <a:off x="5745025" y="1824637"/>
-            <a:ext cx="3209004" cy="1205425"/>
-          </a:xfrm>
-          <a:prstGeom prst="rect">
-            <a:avLst/>
-          </a:prstGeom>
-          <a:noFill/>
-          <a:ln>
-            <a:noFill/>
-          </a:ln>
-        </p:spPr>
-      </p:pic>
     </p:spTree>
   </p:cSld>
   <p:clrMapOvr>
@@ -7848,16 +8223,14 @@
     <p:bg>
       <p:bgPr>
         <a:solidFill>
-          <a:srgbClr val="003171">
-            <a:alpha val="94900"/>
-          </a:srgbClr>
+          <a:srgbClr val="93C47D"/>
         </a:solidFill>
         <a:effectLst/>
       </p:bgPr>
     </p:bg>
     <p:spTree>
       <p:nvGrpSpPr>
-        <p:cNvPr id="1" name="Shape 114"/>
+        <p:cNvPr id="1" name="Shape 107"/>
         <p:cNvGrpSpPr/>
         <p:nvPr/>
       </p:nvGrpSpPr>
@@ -7871,192 +8244,7 @@
       </p:grpSpPr>
       <p:sp>
         <p:nvSpPr>
-          <p:cNvPr id="115" name="Shape 115"/>
-          <p:cNvSpPr txBox="1">
-            <a:spLocks noGrp="1"/>
-          </p:cNvSpPr>
-          <p:nvPr>
-            <p:ph type="body" idx="1"/>
-          </p:nvPr>
-        </p:nvSpPr>
-        <p:spPr>
-          <a:xfrm>
-            <a:off x="760875" y="1920497"/>
-            <a:ext cx="8229600" cy="3457200"/>
-          </a:xfrm>
-          <a:prstGeom prst="rect">
-            <a:avLst/>
-          </a:prstGeom>
-          <a:noFill/>
-          <a:ln>
-            <a:noFill/>
-          </a:ln>
-        </p:spPr>
-        <p:txBody>
-          <a:bodyPr lIns="91425" tIns="45700" rIns="91425" bIns="45700" anchor="ctr" anchorCtr="0">
-            <a:noAutofit/>
-          </a:bodyPr>
-          <a:lstStyle/>
-          <a:p>
-            <a:pPr marL="274320" marR="0" lvl="0" indent="-372110" algn="l" rtl="0">
-              <a:lnSpc>
-                <a:spcPct val="100000"/>
-              </a:lnSpc>
-              <a:spcBef>
-                <a:spcPts val="0"/>
-              </a:spcBef>
-              <a:spcAft>
-                <a:spcPts val="0"/>
-              </a:spcAft>
-              <a:buClr>
-                <a:schemeClr val="lt1"/>
-              </a:buClr>
-              <a:buSzPct val="100000"/>
-              <a:buFont typeface="Quicksand"/>
-              <a:buChar char="❖"/>
-            </a:pPr>
-            <a:r>
-              <a:rPr lang="en-US" sz="3000">
-                <a:solidFill>
-                  <a:schemeClr val="lt1"/>
-                </a:solidFill>
-                <a:latin typeface="Quicksand"/>
-                <a:ea typeface="Quicksand"/>
-                <a:cs typeface="Quicksand"/>
-                <a:sym typeface="Quicksand"/>
-              </a:rPr>
-              <a:t>Money - Invest wisely</a:t>
-            </a:r>
-          </a:p>
-          <a:p>
-            <a:pPr marL="742950" marR="0" lvl="1" indent="-298450" algn="l" rtl="0">
-              <a:lnSpc>
-                <a:spcPct val="100000"/>
-              </a:lnSpc>
-              <a:spcBef>
-                <a:spcPts val="0"/>
-              </a:spcBef>
-              <a:spcAft>
-                <a:spcPts val="0"/>
-              </a:spcAft>
-              <a:buClr>
-                <a:schemeClr val="dk2"/>
-              </a:buClr>
-              <a:buSzPct val="100000"/>
-              <a:buFont typeface="Quicksand"/>
-              <a:buChar char="➢"/>
-            </a:pPr>
-            <a:r>
-              <a:rPr lang="en-US" sz="3000">
-                <a:solidFill>
-                  <a:schemeClr val="lt1"/>
-                </a:solidFill>
-                <a:latin typeface="Quicksand"/>
-                <a:ea typeface="Quicksand"/>
-                <a:cs typeface="Quicksand"/>
-                <a:sym typeface="Quicksand"/>
-              </a:rPr>
-              <a:t>Outsourcing helps keep prices low and allows us to have representatives and tech help 24/7.</a:t>
-            </a:r>
-          </a:p>
-          <a:p>
-            <a:pPr marL="274320" marR="0" lvl="0" indent="-372110" algn="l" rtl="0">
-              <a:lnSpc>
-                <a:spcPct val="100000"/>
-              </a:lnSpc>
-              <a:spcBef>
-                <a:spcPts val="0"/>
-              </a:spcBef>
-              <a:spcAft>
-                <a:spcPts val="0"/>
-              </a:spcAft>
-              <a:buClr>
-                <a:schemeClr val="lt1"/>
-              </a:buClr>
-              <a:buSzPct val="100000"/>
-              <a:buFont typeface="Quicksand"/>
-              <a:buChar char="❖"/>
-            </a:pPr>
-            <a:r>
-              <a:rPr lang="en-US" sz="3000">
-                <a:solidFill>
-                  <a:schemeClr val="lt1"/>
-                </a:solidFill>
-                <a:latin typeface="Quicksand"/>
-                <a:ea typeface="Quicksand"/>
-                <a:cs typeface="Quicksand"/>
-                <a:sym typeface="Quicksand"/>
-              </a:rPr>
-              <a:t>Low employee turnover</a:t>
-            </a:r>
-          </a:p>
-          <a:p>
-            <a:pPr marL="274320" marR="0" lvl="0" indent="-372110" algn="l" rtl="0">
-              <a:lnSpc>
-                <a:spcPct val="100000"/>
-              </a:lnSpc>
-              <a:spcBef>
-                <a:spcPts val="0"/>
-              </a:spcBef>
-              <a:spcAft>
-                <a:spcPts val="0"/>
-              </a:spcAft>
-              <a:buClr>
-                <a:schemeClr val="lt1"/>
-              </a:buClr>
-              <a:buSzPct val="100000"/>
-              <a:buFont typeface="Quicksand"/>
-              <a:buChar char="❖"/>
-            </a:pPr>
-            <a:r>
-              <a:rPr lang="en-US" sz="3000">
-                <a:solidFill>
-                  <a:schemeClr val="lt1"/>
-                </a:solidFill>
-                <a:latin typeface="Quicksand"/>
-                <a:ea typeface="Quicksand"/>
-                <a:cs typeface="Quicksand"/>
-                <a:sym typeface="Quicksand"/>
-              </a:rPr>
-              <a:t>Forbes: Top 100 best places to work for.</a:t>
-            </a:r>
-          </a:p>
-          <a:p>
-            <a:pPr marL="274320" marR="0" lvl="0" indent="-372110" algn="l" rtl="0">
-              <a:lnSpc>
-                <a:spcPct val="100000"/>
-              </a:lnSpc>
-              <a:spcBef>
-                <a:spcPts val="0"/>
-              </a:spcBef>
-              <a:spcAft>
-                <a:spcPts val="0"/>
-              </a:spcAft>
-              <a:buClr>
-                <a:schemeClr val="lt1"/>
-              </a:buClr>
-              <a:buSzPct val="100000"/>
-              <a:buFont typeface="Quicksand"/>
-              <a:buChar char="❖"/>
-            </a:pPr>
-            <a:r>
-              <a:rPr lang="en-US" sz="3000">
-                <a:solidFill>
-                  <a:schemeClr val="lt1"/>
-                </a:solidFill>
-                <a:latin typeface="Quicksand"/>
-                <a:ea typeface="Quicksand"/>
-                <a:cs typeface="Quicksand"/>
-                <a:sym typeface="Quicksand"/>
-              </a:rPr>
-              <a:t>Specializing helps focus better on what you want.</a:t>
-            </a:r>
-          </a:p>
-        </p:txBody>
-      </p:sp>
-      <p:sp>
-        <p:nvSpPr>
-          <p:cNvPr id="116" name="Shape 116"/>
+          <p:cNvPr id="108" name="Shape 108"/>
           <p:cNvSpPr txBox="1">
             <a:spLocks noGrp="1"/>
           </p:cNvSpPr>
@@ -8095,7 +8283,7 @@
               <a:buNone/>
             </a:pPr>
             <a:r>
-              <a:rPr lang="en-US" sz="4900">
+              <a:rPr lang="en-US" sz="4900" i="0" u="none" strike="noStrike" cap="none" baseline="0">
                 <a:solidFill>
                   <a:schemeClr val="lt1"/>
                 </a:solidFill>
@@ -8104,14 +8292,14 @@
                 <a:cs typeface="Quicksand"/>
                 <a:sym typeface="Quicksand"/>
               </a:rPr>
-              <a:t>Why choose us?</a:t>
+              <a:t>Clients</a:t>
             </a:r>
           </a:p>
         </p:txBody>
       </p:sp>
       <p:cxnSp>
         <p:nvCxnSpPr>
-          <p:cNvPr id="117" name="Shape 117"/>
+          <p:cNvPr id="109" name="Shape 109"/>
           <p:cNvCxnSpPr/>
           <p:nvPr/>
         </p:nvCxnSpPr>
@@ -8126,7 +8314,7 @@
           <a:noFill/>
           <a:ln w="19050" cap="flat">
             <a:solidFill>
-              <a:srgbClr val="1155CC"/>
+              <a:srgbClr val="D9EAD3"/>
             </a:solidFill>
             <a:prstDash val="solid"/>
             <a:round/>
@@ -8137,7 +8325,7 @@
       </p:cxnSp>
       <p:pic>
         <p:nvPicPr>
-          <p:cNvPr id="118" name="Shape 118"/>
+          <p:cNvPr id="110" name="Shape 110"/>
           <p:cNvPicPr preferRelativeResize="0"/>
           <p:nvPr/>
         </p:nvPicPr>
@@ -8164,7 +8352,7 @@
       </p:pic>
       <p:sp>
         <p:nvSpPr>
-          <p:cNvPr id="119" name="Shape 119"/>
+          <p:cNvPr id="111" name="Shape 111"/>
           <p:cNvSpPr txBox="1"/>
           <p:nvPr/>
         </p:nvSpPr>
@@ -8210,7 +8398,7 @@
       </p:sp>
       <p:cxnSp>
         <p:nvCxnSpPr>
-          <p:cNvPr id="120" name="Shape 120"/>
+          <p:cNvPr id="112" name="Shape 112"/>
           <p:cNvCxnSpPr/>
           <p:nvPr/>
         </p:nvCxnSpPr>
@@ -8225,7 +8413,7 @@
           <a:noFill/>
           <a:ln w="19050" cap="flat">
             <a:solidFill>
-              <a:srgbClr val="1155CC"/>
+              <a:srgbClr val="D9EAD3"/>
             </a:solidFill>
             <a:prstDash val="solid"/>
             <a:round/>
@@ -8234,6 +8422,162 @@
           </a:ln>
         </p:spPr>
       </p:cxnSp>
+      <p:pic>
+        <p:nvPicPr>
+          <p:cNvPr id="113" name="Shape 113"/>
+          <p:cNvPicPr preferRelativeResize="0"/>
+          <p:nvPr/>
+        </p:nvPicPr>
+        <p:blipFill rotWithShape="1">
+          <a:blip r:embed="rId4">
+            <a:alphaModFix/>
+          </a:blip>
+          <a:srcRect t="40897" b="43968"/>
+          <a:stretch/>
+        </p:blipFill>
+        <p:spPr>
+          <a:xfrm>
+            <a:off x="497725" y="3720700"/>
+            <a:ext cx="6200114" cy="938312"/>
+          </a:xfrm>
+          <a:prstGeom prst="rect">
+            <a:avLst/>
+          </a:prstGeom>
+          <a:noFill/>
+          <a:ln>
+            <a:noFill/>
+          </a:ln>
+        </p:spPr>
+      </p:pic>
+      <p:sp>
+        <p:nvSpPr>
+          <p:cNvPr id="114" name="Shape 114"/>
+          <p:cNvSpPr txBox="1"/>
+          <p:nvPr/>
+        </p:nvSpPr>
+        <p:spPr>
+          <a:xfrm>
+            <a:off x="3281575" y="4794425"/>
+            <a:ext cx="4875900" cy="716400"/>
+          </a:xfrm>
+          <a:prstGeom prst="rect">
+            <a:avLst/>
+          </a:prstGeom>
+          <a:noFill/>
+          <a:ln>
+            <a:noFill/>
+          </a:ln>
+        </p:spPr>
+        <p:txBody>
+          <a:bodyPr lIns="91425" tIns="91425" rIns="91425" bIns="91425" anchor="t" anchorCtr="0">
+            <a:noAutofit/>
+          </a:bodyPr>
+          <a:lstStyle/>
+          <a:p>
+            <a:pPr>
+              <a:spcBef>
+                <a:spcPts val="0"/>
+              </a:spcBef>
+              <a:buNone/>
+            </a:pPr>
+            <a:r>
+              <a:rPr lang="en-US" sz="4800">
+                <a:solidFill>
+                  <a:srgbClr val="3C78D8"/>
+                </a:solidFill>
+                <a:latin typeface="Playball"/>
+                <a:ea typeface="Playball"/>
+                <a:cs typeface="Playball"/>
+                <a:sym typeface="Playball"/>
+              </a:rPr>
+              <a:t>Simply Serenity Spa</a:t>
+            </a:r>
+          </a:p>
+        </p:txBody>
+      </p:sp>
+      <p:pic>
+        <p:nvPicPr>
+          <p:cNvPr id="115" name="Shape 115"/>
+          <p:cNvPicPr preferRelativeResize="0"/>
+          <p:nvPr/>
+        </p:nvPicPr>
+        <p:blipFill rotWithShape="1">
+          <a:blip r:embed="rId5">
+            <a:alphaModFix/>
+          </a:blip>
+          <a:srcRect l="7221" t="24148" r="6705" b="36269"/>
+          <a:stretch/>
+        </p:blipFill>
+        <p:spPr>
+          <a:xfrm>
+            <a:off x="301175" y="1913425"/>
+            <a:ext cx="2980400" cy="1027850"/>
+          </a:xfrm>
+          <a:prstGeom prst="rect">
+            <a:avLst/>
+          </a:prstGeom>
+          <a:noFill/>
+          <a:ln>
+            <a:noFill/>
+          </a:ln>
+        </p:spPr>
+      </p:pic>
+      <p:pic>
+        <p:nvPicPr>
+          <p:cNvPr id="116" name="Shape 116"/>
+          <p:cNvPicPr preferRelativeResize="0"/>
+          <p:nvPr/>
+        </p:nvPicPr>
+        <p:blipFill>
+          <a:blip r:embed="rId6">
+            <a:alphaModFix/>
+          </a:blip>
+          <a:stretch>
+            <a:fillRect/>
+          </a:stretch>
+        </p:blipFill>
+        <p:spPr>
+          <a:xfrm>
+            <a:off x="5745025" y="1824637"/>
+            <a:ext cx="3209004" cy="1205425"/>
+          </a:xfrm>
+          <a:prstGeom prst="rect">
+            <a:avLst/>
+          </a:prstGeom>
+          <a:noFill/>
+          <a:ln>
+            <a:noFill/>
+          </a:ln>
+        </p:spPr>
+      </p:pic>
+      <p:pic>
+        <p:nvPicPr>
+          <p:cNvPr id="117" name="Shape 117"/>
+          <p:cNvPicPr preferRelativeResize="0"/>
+          <p:nvPr/>
+        </p:nvPicPr>
+        <p:blipFill>
+          <a:blip r:embed="rId7">
+            <a:alphaModFix/>
+          </a:blip>
+          <a:stretch>
+            <a:fillRect/>
+          </a:stretch>
+        </p:blipFill>
+        <p:spPr>
+          <a:xfrm>
+            <a:off x="3799512" y="1600350"/>
+            <a:ext cx="1427575" cy="1710474"/>
+          </a:xfrm>
+          <a:prstGeom prst="rect">
+            <a:avLst/>
+          </a:prstGeom>
+          <a:noFill/>
+          <a:ln>
+            <a:noFill/>
+          </a:ln>
+        </p:spPr>
+      </p:pic>
     </p:spTree>
   </p:cSld>
   <p:clrMapOvr>
@@ -8251,16 +8595,14 @@
     <p:bg>
       <p:bgPr>
         <a:solidFill>
-          <a:srgbClr val="003171">
-            <a:alpha val="94900"/>
-          </a:srgbClr>
+          <a:srgbClr val="93C47D"/>
         </a:solidFill>
         <a:effectLst/>
       </p:bgPr>
     </p:bg>
     <p:spTree>
       <p:nvGrpSpPr>
-        <p:cNvPr id="1" name="Shape 124"/>
+        <p:cNvPr id="1" name="Shape 121"/>
         <p:cNvGrpSpPr/>
         <p:nvPr/>
       </p:nvGrpSpPr>
@@ -8274,7 +8616,7 @@
       </p:grpSpPr>
       <p:sp>
         <p:nvSpPr>
-          <p:cNvPr id="125" name="Shape 125"/>
+          <p:cNvPr id="122" name="Shape 122"/>
           <p:cNvSpPr txBox="1">
             <a:spLocks noGrp="1"/>
           </p:cNvSpPr>
@@ -8284,8 +8626,8 @@
         </p:nvSpPr>
         <p:spPr>
           <a:xfrm>
-            <a:off x="371150" y="1611323"/>
-            <a:ext cx="7831199" cy="4244100"/>
+            <a:off x="760875" y="1920497"/>
+            <a:ext cx="8229600" cy="3457200"/>
           </a:xfrm>
           <a:prstGeom prst="rect">
             <a:avLst/>
@@ -8301,7 +8643,7 @@
           </a:bodyPr>
           <a:lstStyle/>
           <a:p>
-            <a:pPr marL="274320" marR="0" lvl="0" indent="-334010" algn="l" rtl="0">
+            <a:pPr marL="274320" marR="0" lvl="0" indent="-372110" algn="l" rtl="0">
               <a:lnSpc>
                 <a:spcPct val="100000"/>
               </a:lnSpc>
@@ -8319,7 +8661,7 @@
               <a:buChar char="❖"/>
             </a:pPr>
             <a:r>
-              <a:rPr lang="en-US" sz="2400">
+              <a:rPr lang="en-US" sz="3000">
                 <a:solidFill>
                   <a:schemeClr val="lt1"/>
                 </a:solidFill>
@@ -8328,11 +8670,42 @@
                 <a:cs typeface="Quicksand"/>
                 <a:sym typeface="Quicksand"/>
               </a:rPr>
-              <a:t>Wix - Will be used to host your site (the host we use for all of our sites).</a:t>
+              <a:t>Money - Invest wisely</a:t>
             </a:r>
           </a:p>
           <a:p>
-            <a:pPr marL="274320" marR="0" lvl="0" indent="-334010" algn="l" rtl="0">
+            <a:pPr marL="742950" marR="0" lvl="1" indent="-298450" algn="l" rtl="0">
+              <a:lnSpc>
+                <a:spcPct val="100000"/>
+              </a:lnSpc>
+              <a:spcBef>
+                <a:spcPts val="0"/>
+              </a:spcBef>
+              <a:spcAft>
+                <a:spcPts val="0"/>
+              </a:spcAft>
+              <a:buClr>
+                <a:srgbClr val="FFFFFF"/>
+              </a:buClr>
+              <a:buSzPct val="100000"/>
+              <a:buFont typeface="Quicksand"/>
+              <a:buChar char="➢"/>
+            </a:pPr>
+            <a:r>
+              <a:rPr lang="en-US" sz="3000">
+                <a:solidFill>
+                  <a:schemeClr val="lt1"/>
+                </a:solidFill>
+                <a:latin typeface="Quicksand"/>
+                <a:ea typeface="Quicksand"/>
+                <a:cs typeface="Quicksand"/>
+                <a:sym typeface="Quicksand"/>
+              </a:rPr>
+              <a:t>Outsourcing helps keep prices low and allows us to have representatives and tech help 24/7.</a:t>
+            </a:r>
+          </a:p>
+          <a:p>
+            <a:pPr marL="274320" marR="0" lvl="0" indent="-372110" algn="l" rtl="0">
               <a:lnSpc>
                 <a:spcPct val="100000"/>
               </a:lnSpc>
@@ -8350,7 +8723,7 @@
               <a:buChar char="❖"/>
             </a:pPr>
             <a:r>
-              <a:rPr lang="en-US" sz="2400">
+              <a:rPr lang="en-US" sz="3000">
                 <a:solidFill>
                   <a:schemeClr val="lt1"/>
                 </a:solidFill>
@@ -8359,73 +8732,11 @@
                 <a:cs typeface="Quicksand"/>
                 <a:sym typeface="Quicksand"/>
               </a:rPr>
-              <a:t>Github - Will be used for all backups.</a:t>
+              <a:t>Low employee turnover</a:t>
             </a:r>
           </a:p>
           <a:p>
-            <a:pPr marL="742950" marR="0" lvl="1" indent="-260350" algn="l" rtl="0">
-              <a:lnSpc>
-                <a:spcPct val="100000"/>
-              </a:lnSpc>
-              <a:spcBef>
-                <a:spcPts val="0"/>
-              </a:spcBef>
-              <a:spcAft>
-                <a:spcPts val="0"/>
-              </a:spcAft>
-              <a:buClr>
-                <a:schemeClr val="dk2"/>
-              </a:buClr>
-              <a:buSzPct val="100000"/>
-              <a:buFont typeface="Quicksand"/>
-              <a:buChar char="➢"/>
-            </a:pPr>
-            <a:r>
-              <a:rPr lang="en-US" sz="2400">
-                <a:solidFill>
-                  <a:schemeClr val="lt1"/>
-                </a:solidFill>
-                <a:latin typeface="Quicksand"/>
-                <a:ea typeface="Quicksand"/>
-                <a:cs typeface="Quicksand"/>
-                <a:sym typeface="Quicksand"/>
-              </a:rPr>
-              <a:t>Back-ups are done after every change.</a:t>
-            </a:r>
-          </a:p>
-          <a:p>
-            <a:pPr marL="742950" marR="0" lvl="1" indent="-260350" algn="l" rtl="0">
-              <a:lnSpc>
-                <a:spcPct val="100000"/>
-              </a:lnSpc>
-              <a:spcBef>
-                <a:spcPts val="0"/>
-              </a:spcBef>
-              <a:spcAft>
-                <a:spcPts val="0"/>
-              </a:spcAft>
-              <a:buClr>
-                <a:schemeClr val="dk2"/>
-              </a:buClr>
-              <a:buSzPct val="100000"/>
-              <a:buFont typeface="Quicksand"/>
-              <a:buChar char="➢"/>
-            </a:pPr>
-            <a:r>
-              <a:rPr lang="en-US" sz="2400">
-                <a:solidFill>
-                  <a:schemeClr val="lt1"/>
-                </a:solidFill>
-                <a:latin typeface="Quicksand"/>
-                <a:ea typeface="Quicksand"/>
-                <a:cs typeface="Quicksand"/>
-                <a:sym typeface="Quicksand"/>
-              </a:rPr>
-              <a:t>FrontTech will log where they left off when project is handed over to another worker.</a:t>
-            </a:r>
-          </a:p>
-          <a:p>
-            <a:pPr marL="274320" marR="0" lvl="0" indent="-334010" algn="l" rtl="0">
+            <a:pPr marL="274320" marR="0" lvl="0" indent="-372110" algn="l" rtl="0">
               <a:lnSpc>
                 <a:spcPct val="100000"/>
               </a:lnSpc>
@@ -8443,7 +8754,7 @@
               <a:buChar char="❖"/>
             </a:pPr>
             <a:r>
-              <a:rPr lang="en-US" sz="2400">
+              <a:rPr lang="en-US" sz="3000">
                 <a:solidFill>
                   <a:schemeClr val="lt1"/>
                 </a:solidFill>
@@ -8452,11 +8763,11 @@
                 <a:cs typeface="Quicksand"/>
                 <a:sym typeface="Quicksand"/>
               </a:rPr>
-              <a:t>Portfolios:</a:t>
+              <a:t>Forbes: Top 100 best places to work for.</a:t>
             </a:r>
           </a:p>
           <a:p>
-            <a:pPr marL="742950" marR="0" lvl="1" indent="-260350" algn="l" rtl="0">
+            <a:pPr marL="274320" marR="0" lvl="0" indent="-372110" algn="l" rtl="0">
               <a:lnSpc>
                 <a:spcPct val="100000"/>
               </a:lnSpc>
@@ -8467,14 +8778,14 @@
                 <a:spcPts val="0"/>
               </a:spcAft>
               <a:buClr>
-                <a:schemeClr val="dk2"/>
+                <a:schemeClr val="lt1"/>
               </a:buClr>
               <a:buSzPct val="100000"/>
               <a:buFont typeface="Quicksand"/>
-              <a:buChar char="➢"/>
+              <a:buChar char="❖"/>
             </a:pPr>
             <a:r>
-              <a:rPr lang="en-US" sz="2400">
+              <a:rPr lang="en-US" sz="3000">
                 <a:solidFill>
                   <a:schemeClr val="lt1"/>
                 </a:solidFill>
@@ -8482,13 +8793,12 @@
                 <a:ea typeface="Quicksand"/>
                 <a:cs typeface="Quicksand"/>
                 <a:sym typeface="Quicksand"/>
-                <a:hlinkClick r:id="rId3"/>
               </a:rPr>
-              <a:t>http://wadeness23.wix.com/pwa1-portfolio</a:t>
+              <a:t>Specializing helps focus better on what you want.</a:t>
             </a:r>
           </a:p>
           <a:p>
-            <a:pPr marL="742950" marR="0" lvl="1" indent="-260350" algn="l" rtl="0">
+            <a:pPr marL="274320" marR="0" lvl="0" indent="-372110" algn="l" rtl="0">
               <a:lnSpc>
                 <a:spcPct val="100000"/>
               </a:lnSpc>
@@ -8499,14 +8809,14 @@
                 <a:spcPts val="0"/>
               </a:spcAft>
               <a:buClr>
-                <a:schemeClr val="dk2"/>
+                <a:schemeClr val="lt1"/>
               </a:buClr>
               <a:buSzPct val="100000"/>
               <a:buFont typeface="Quicksand"/>
-              <a:buChar char="➢"/>
+              <a:buChar char="❖"/>
             </a:pPr>
             <a:r>
-              <a:rPr lang="en-US" sz="2400">
+              <a:rPr lang="en-US" sz="3000">
                 <a:solidFill>
                   <a:schemeClr val="lt1"/>
                 </a:solidFill>
@@ -8514,16 +8824,15 @@
                 <a:ea typeface="Quicksand"/>
                 <a:cs typeface="Quicksand"/>
                 <a:sym typeface="Quicksand"/>
-                <a:hlinkClick r:id="rId4"/>
               </a:rPr>
-              <a:t>http://yxnely.wix.com/pwa1-portfolio</a:t>
+              <a:t>Work ethic: ADDIO</a:t>
             </a:r>
           </a:p>
         </p:txBody>
       </p:sp>
       <p:sp>
         <p:nvSpPr>
-          <p:cNvPr id="126" name="Shape 126"/>
+          <p:cNvPr id="123" name="Shape 123"/>
           <p:cNvSpPr txBox="1">
             <a:spLocks noGrp="1"/>
           </p:cNvSpPr>
@@ -8533,7 +8842,7 @@
         </p:nvSpPr>
         <p:spPr>
           <a:xfrm>
-            <a:off x="457200" y="206737"/>
+            <a:off x="457200" y="274637"/>
             <a:ext cx="8229600" cy="1325700"/>
           </a:xfrm>
           <a:prstGeom prst="rect">
@@ -8571,7 +8880,106 @@
                 <a:cs typeface="Quicksand"/>
                 <a:sym typeface="Quicksand"/>
               </a:rPr>
-              <a:t>Hosting and Backup</a:t>
+              <a:t>Why choose us?</a:t>
+            </a:r>
+          </a:p>
+        </p:txBody>
+      </p:sp>
+      <p:cxnSp>
+        <p:nvCxnSpPr>
+          <p:cNvPr id="124" name="Shape 124"/>
+          <p:cNvCxnSpPr/>
+          <p:nvPr/>
+        </p:nvCxnSpPr>
+        <p:spPr>
+          <a:xfrm rot="10800000" flipH="1">
+            <a:off x="457200" y="6265074"/>
+            <a:ext cx="4694400" cy="5100"/>
+          </a:xfrm>
+          <a:prstGeom prst="straightConnector1">
+            <a:avLst/>
+          </a:prstGeom>
+          <a:noFill/>
+          <a:ln w="19050" cap="flat">
+            <a:solidFill>
+              <a:srgbClr val="D9EAD3"/>
+            </a:solidFill>
+            <a:prstDash val="solid"/>
+            <a:round/>
+            <a:headEnd type="none" w="lg" len="lg"/>
+            <a:tailEnd type="none" w="lg" len="lg"/>
+          </a:ln>
+        </p:spPr>
+      </p:cxnSp>
+      <p:pic>
+        <p:nvPicPr>
+          <p:cNvPr id="125" name="Shape 125"/>
+          <p:cNvPicPr preferRelativeResize="0"/>
+          <p:nvPr/>
+        </p:nvPicPr>
+        <p:blipFill rotWithShape="1">
+          <a:blip r:embed="rId3">
+            <a:alphaModFix/>
+          </a:blip>
+          <a:srcRect/>
+          <a:stretch/>
+        </p:blipFill>
+        <p:spPr>
+          <a:xfrm>
+            <a:off x="7640326" y="5940175"/>
+            <a:ext cx="1313700" cy="556199"/>
+          </a:xfrm>
+          <a:prstGeom prst="rect">
+            <a:avLst/>
+          </a:prstGeom>
+          <a:noFill/>
+          <a:ln>
+            <a:noFill/>
+          </a:ln>
+        </p:spPr>
+      </p:pic>
+      <p:sp>
+        <p:nvSpPr>
+          <p:cNvPr id="126" name="Shape 126"/>
+          <p:cNvSpPr txBox="1"/>
+          <p:nvPr/>
+        </p:nvSpPr>
+        <p:spPr>
+          <a:xfrm>
+            <a:off x="5351212" y="5989525"/>
+            <a:ext cx="2089500" cy="556199"/>
+          </a:xfrm>
+          <a:prstGeom prst="rect">
+            <a:avLst/>
+          </a:prstGeom>
+          <a:noFill/>
+          <a:ln>
+            <a:noFill/>
+          </a:ln>
+        </p:spPr>
+        <p:txBody>
+          <a:bodyPr lIns="91425" tIns="91425" rIns="91425" bIns="91425" anchor="t" anchorCtr="0">
+            <a:noAutofit/>
+          </a:bodyPr>
+          <a:lstStyle/>
+          <a:p>
+            <a:pPr lvl="0" rtl="0">
+              <a:spcBef>
+                <a:spcPts val="0"/>
+              </a:spcBef>
+              <a:buNone/>
+            </a:pPr>
+            <a:r>
+              <a:rPr lang="en-US" sz="1800">
+                <a:solidFill>
+                  <a:srgbClr val="FFFFFF"/>
+                </a:solidFill>
+                <a:latin typeface="Lobster"/>
+                <a:ea typeface="Lobster"/>
+                <a:cs typeface="Lobster"/>
+                <a:sym typeface="Lobster"/>
+              </a:rPr>
+              <a:t>PWA - International</a:t>
             </a:r>
           </a:p>
         </p:txBody>
@@ -8583,9 +8991,9 @@
           <p:nvPr/>
         </p:nvCxnSpPr>
         <p:spPr>
-          <a:xfrm rot="10800000" flipH="1">
-            <a:off x="457200" y="6265074"/>
-            <a:ext cx="4694400" cy="5100"/>
+          <a:xfrm>
+            <a:off x="7500050" y="5992075"/>
+            <a:ext cx="0" cy="452400"/>
           </a:xfrm>
           <a:prstGeom prst="straightConnector1">
             <a:avLst/>
@@ -8593,106 +9001,7 @@
           <a:noFill/>
           <a:ln w="19050" cap="flat">
             <a:solidFill>
-              <a:srgbClr val="1155CC"/>
-            </a:solidFill>
-            <a:prstDash val="solid"/>
-            <a:round/>
-            <a:headEnd type="none" w="lg" len="lg"/>
-            <a:tailEnd type="none" w="lg" len="lg"/>
-          </a:ln>
-        </p:spPr>
-      </p:cxnSp>
-      <p:pic>
-        <p:nvPicPr>
-          <p:cNvPr id="128" name="Shape 128"/>
-          <p:cNvPicPr preferRelativeResize="0"/>
-          <p:nvPr/>
-        </p:nvPicPr>
-        <p:blipFill rotWithShape="1">
-          <a:blip r:embed="rId5">
-            <a:alphaModFix/>
-          </a:blip>
-          <a:srcRect/>
-          <a:stretch/>
-        </p:blipFill>
-        <p:spPr>
-          <a:xfrm>
-            <a:off x="7640326" y="5940175"/>
-            <a:ext cx="1313700" cy="556199"/>
-          </a:xfrm>
-          <a:prstGeom prst="rect">
-            <a:avLst/>
-          </a:prstGeom>
-          <a:noFill/>
-          <a:ln>
-            <a:noFill/>
-          </a:ln>
-        </p:spPr>
-      </p:pic>
-      <p:sp>
-        <p:nvSpPr>
-          <p:cNvPr id="129" name="Shape 129"/>
-          <p:cNvSpPr txBox="1"/>
-          <p:nvPr/>
-        </p:nvSpPr>
-        <p:spPr>
-          <a:xfrm>
-            <a:off x="5351212" y="5989525"/>
-            <a:ext cx="2089500" cy="556199"/>
-          </a:xfrm>
-          <a:prstGeom prst="rect">
-            <a:avLst/>
-          </a:prstGeom>
-          <a:noFill/>
-          <a:ln>
-            <a:noFill/>
-          </a:ln>
-        </p:spPr>
-        <p:txBody>
-          <a:bodyPr lIns="91425" tIns="91425" rIns="91425" bIns="91425" anchor="t" anchorCtr="0">
-            <a:noAutofit/>
-          </a:bodyPr>
-          <a:lstStyle/>
-          <a:p>
-            <a:pPr lvl="0" rtl="0">
-              <a:spcBef>
-                <a:spcPts val="0"/>
-              </a:spcBef>
-              <a:buNone/>
-            </a:pPr>
-            <a:r>
-              <a:rPr lang="en-US" sz="1800">
-                <a:solidFill>
-                  <a:srgbClr val="FFFFFF"/>
-                </a:solidFill>
-                <a:latin typeface="Lobster"/>
-                <a:ea typeface="Lobster"/>
-                <a:cs typeface="Lobster"/>
-                <a:sym typeface="Lobster"/>
-              </a:rPr>
-              <a:t>PWA - International</a:t>
-            </a:r>
-          </a:p>
-        </p:txBody>
-      </p:sp>
-      <p:cxnSp>
-        <p:nvCxnSpPr>
-          <p:cNvPr id="130" name="Shape 130"/>
-          <p:cNvCxnSpPr/>
-          <p:nvPr/>
-        </p:nvCxnSpPr>
-        <p:spPr>
-          <a:xfrm>
-            <a:off x="7500050" y="5992075"/>
-            <a:ext cx="0" cy="452400"/>
-          </a:xfrm>
-          <a:prstGeom prst="straightConnector1">
-            <a:avLst/>
-          </a:prstGeom>
-          <a:noFill/>
-          <a:ln w="19050" cap="flat">
-            <a:solidFill>
-              <a:srgbClr val="1155CC"/>
+              <a:srgbClr val="D9EAD3"/>
             </a:solidFill>
             <a:prstDash val="solid"/>
             <a:round/>
